--- a/src/gui/help slides/Slides for making Help sheet.pptx
+++ b/src/gui/help slides/Slides for making Help sheet.pptx
@@ -237,7 +237,7 @@
           <a:p>
             <a:fld id="{046D4D32-4FCB-49AA-9167-B0CDED7A4CCF}" type="datetimeFigureOut">
               <a:rPr lang="en-SG" smtClean="0"/>
-              <a:t>4/11/2015</a:t>
+              <a:t>8/11/2015</a:t>
             </a:fld>
             <a:endParaRPr lang="en-SG"/>
           </a:p>
@@ -402,7 +402,7 @@
           <a:p>
             <a:fld id="{067D4221-E470-4F22-9285-CBAE2F490485}" type="datetimeFigureOut">
               <a:rPr lang="en-SG" smtClean="0"/>
-              <a:t>4/11/2015</a:t>
+              <a:t>8/11/2015</a:t>
             </a:fld>
             <a:endParaRPr lang="en-SG"/>
           </a:p>
@@ -2592,7 +2592,7 @@
           <a:p>
             <a:fld id="{A46D68D1-B8A9-43C1-9D8F-8A5C0A798683}" type="datetime1">
               <a:rPr lang="en-US" smtClean="0"/>
-              <a:t>11/4/2015</a:t>
+              <a:t>11/8/2015</a:t>
             </a:fld>
             <a:endParaRPr lang="en-US" dirty="0"/>
           </a:p>
@@ -2983,7 +2983,7 @@
           <a:p>
             <a:fld id="{51348659-938C-4E41-AC7D-505D6FBEB079}" type="datetime1">
               <a:rPr lang="en-US" smtClean="0"/>
-              <a:t>11/4/2015</a:t>
+              <a:t>11/8/2015</a:t>
             </a:fld>
             <a:endParaRPr lang="en-US" dirty="0"/>
           </a:p>
@@ -3384,7 +3384,7 @@
           <a:p>
             <a:fld id="{D5674549-43C8-438B-B5D9-8C8F7F2C832C}" type="datetime1">
               <a:rPr lang="en-US" smtClean="0"/>
-              <a:t>11/4/2015</a:t>
+              <a:t>11/8/2015</a:t>
             </a:fld>
             <a:endParaRPr lang="en-US" dirty="0"/>
           </a:p>
@@ -3632,7 +3632,7 @@
           <a:p>
             <a:fld id="{00E9CFA9-A960-4E7D-AF9E-31E3E9782C7E}" type="datetime1">
               <a:rPr lang="en-US" smtClean="0"/>
-              <a:t>11/4/2015</a:t>
+              <a:t>11/8/2015</a:t>
             </a:fld>
             <a:endParaRPr lang="en-US" dirty="0"/>
           </a:p>
@@ -4021,7 +4021,7 @@
           <a:p>
             <a:fld id="{F7C22E97-A20E-43EB-9981-E470A90B4980}" type="datetime1">
               <a:rPr lang="en-US" smtClean="0"/>
-              <a:t>11/4/2015</a:t>
+              <a:t>11/8/2015</a:t>
             </a:fld>
             <a:endParaRPr lang="en-US" dirty="0"/>
           </a:p>
@@ -4145,7 +4145,7 @@
           <a:p>
             <a:fld id="{C5ACA8F4-16F4-4DC0-8D96-0B202C95922F}" type="datetime1">
               <a:rPr lang="en-US" smtClean="0"/>
-              <a:t>11/4/2015</a:t>
+              <a:t>11/8/2015</a:t>
             </a:fld>
             <a:endParaRPr lang="en-US" dirty="0"/>
           </a:p>
@@ -4322,7 +4322,7 @@
           <a:p>
             <a:fld id="{F975577C-53C9-48FB-889E-9A07A108E35A}" type="datetime1">
               <a:rPr lang="en-US" smtClean="0"/>
-              <a:t>11/4/2015</a:t>
+              <a:t>11/8/2015</a:t>
             </a:fld>
             <a:endParaRPr lang="en-US" dirty="0"/>
           </a:p>
@@ -4688,7 +4688,7 @@
           <a:p>
             <a:fld id="{00EDD714-5F09-459D-8D9D-B6A7383C28DC}" type="datetime1">
               <a:rPr lang="en-US" smtClean="0"/>
-              <a:t>11/4/2015</a:t>
+              <a:t>11/8/2015</a:t>
             </a:fld>
             <a:endParaRPr lang="en-US" dirty="0"/>
           </a:p>
@@ -5067,7 +5067,7 @@
           <a:p>
             <a:fld id="{4B205C43-DB89-436C-8199-FF0EA0693E9E}" type="datetime1">
               <a:rPr lang="en-US" smtClean="0"/>
-              <a:t>11/4/2015</a:t>
+              <a:t>11/8/2015</a:t>
             </a:fld>
             <a:endParaRPr lang="en-US" dirty="0"/>
           </a:p>
@@ -5389,7 +5389,7 @@
           <a:p>
             <a:fld id="{1C0C6E1E-3EB8-4B16-BDFC-074484BBFC98}" type="datetime1">
               <a:rPr lang="en-US" smtClean="0"/>
-              <a:t>11/4/2015</a:t>
+              <a:t>11/8/2015</a:t>
             </a:fld>
             <a:endParaRPr lang="en-US" dirty="0"/>
           </a:p>
@@ -5664,7 +5664,7 @@
           <a:p>
             <a:fld id="{1FF8029F-1875-456F-B883-83C95E8679DA}" type="datetime1">
               <a:rPr lang="en-US" smtClean="0"/>
-              <a:t>11/4/2015</a:t>
+              <a:t>11/8/2015</a:t>
             </a:fld>
             <a:endParaRPr lang="en-US" dirty="0"/>
           </a:p>
@@ -5971,7 +5971,7 @@
           <a:p>
             <a:fld id="{8072FD88-1D89-4779-A825-C37328A857D7}" type="datetime1">
               <a:rPr lang="en-US" smtClean="0"/>
-              <a:t>11/4/2015</a:t>
+              <a:t>11/8/2015</a:t>
             </a:fld>
             <a:endParaRPr lang="en-US" dirty="0"/>
           </a:p>
@@ -6225,7 +6225,7 @@
           <a:p>
             <a:fld id="{93BC9265-5B90-4CBC-807C-D5EBA6FD0833}" type="datetime1">
               <a:rPr lang="en-US" smtClean="0"/>
-              <a:t>11/4/2015</a:t>
+              <a:t>11/8/2015</a:t>
             </a:fld>
             <a:endParaRPr lang="en-US" dirty="0"/>
           </a:p>
@@ -6718,7 +6718,7 @@
           <a:p>
             <a:fld id="{ECDF07B6-2EB6-4E3E-A04A-564A74121EDB}" type="datetime1">
               <a:rPr lang="en-US" smtClean="0"/>
-              <a:t>11/4/2015</a:t>
+              <a:t>11/8/2015</a:t>
             </a:fld>
             <a:endParaRPr lang="en-US" dirty="0"/>
           </a:p>
@@ -7293,7 +7293,7 @@
           <a:p>
             <a:fld id="{D4D2193A-57C5-4E53-9AE8-88E51D30AFF1}" type="datetime1">
               <a:rPr lang="en-US" smtClean="0"/>
-              <a:t>11/4/2015</a:t>
+              <a:t>11/8/2015</a:t>
             </a:fld>
             <a:endParaRPr lang="en-US" dirty="0"/>
           </a:p>
@@ -7640,7 +7640,7 @@
           <a:p>
             <a:fld id="{C90F4ADD-166D-4616-8706-8512D6029572}" type="datetime1">
               <a:rPr lang="en-US" smtClean="0"/>
-              <a:t>11/4/2015</a:t>
+              <a:t>11/8/2015</a:t>
             </a:fld>
             <a:endParaRPr lang="en-US" dirty="0"/>
           </a:p>
@@ -7886,7 +7886,7 @@
           <a:p>
             <a:fld id="{DD8B997A-A2D0-468F-9D1A-2993D8DB03B5}" type="datetime1">
               <a:rPr lang="en-US" smtClean="0"/>
-              <a:t>11/4/2015</a:t>
+              <a:t>11/8/2015</a:t>
             </a:fld>
             <a:endParaRPr lang="en-US" dirty="0"/>
           </a:p>
@@ -8146,7 +8146,7 @@
           <a:p>
             <a:fld id="{F25ED30C-78FC-42A1-8374-95C05170FC21}" type="datetime1">
               <a:rPr lang="en-US" smtClean="0"/>
-              <a:t>11/4/2015</a:t>
+              <a:t>11/8/2015</a:t>
             </a:fld>
             <a:endParaRPr lang="en-US" dirty="0"/>
           </a:p>
@@ -8276,7 +8276,7 @@
           <a:p>
             <a:fld id="{39A3FA0A-5AC3-47E4-AEE4-125DE449B8AB}" type="datetime1">
               <a:rPr lang="en-US" smtClean="0"/>
-              <a:t>11/4/2015</a:t>
+              <a:t>11/8/2015</a:t>
             </a:fld>
             <a:endParaRPr lang="en-US" dirty="0"/>
           </a:p>
@@ -8458,7 +8458,7 @@
           <a:p>
             <a:fld id="{60902E39-A326-4F29-9E58-AA349723D54B}" type="datetime1">
               <a:rPr lang="en-US" smtClean="0"/>
-              <a:t>11/4/2015</a:t>
+              <a:t>11/8/2015</a:t>
             </a:fld>
             <a:endParaRPr lang="en-US" dirty="0"/>
           </a:p>
@@ -8804,7 +8804,7 @@
           <a:p>
             <a:fld id="{4D8A3ED0-2B32-4F47-A4E3-E5BA24B47261}" type="datetime1">
               <a:rPr lang="en-US" smtClean="0"/>
-              <a:t>11/4/2015</a:t>
+              <a:t>11/8/2015</a:t>
             </a:fld>
             <a:endParaRPr lang="en-US" dirty="0"/>
           </a:p>
@@ -9188,7 +9188,7 @@
           <a:p>
             <a:fld id="{EEA09758-3D24-4A08-A68F-02AE78AEF555}" type="datetime1">
               <a:rPr lang="en-US" smtClean="0"/>
-              <a:t>11/4/2015</a:t>
+              <a:t>11/8/2015</a:t>
             </a:fld>
             <a:endParaRPr lang="en-US" dirty="0"/>
           </a:p>
@@ -9541,7 +9541,7 @@
           <a:p>
             <a:fld id="{51348659-938C-4E41-AC7D-505D6FBEB079}" type="datetime1">
               <a:rPr lang="en-US" smtClean="0"/>
-              <a:t>11/4/2015</a:t>
+              <a:t>11/8/2015</a:t>
             </a:fld>
             <a:endParaRPr lang="en-US" dirty="0"/>
           </a:p>
@@ -9894,7 +9894,7 @@
           <a:p>
             <a:fld id="{51348659-938C-4E41-AC7D-505D6FBEB079}" type="datetime1">
               <a:rPr lang="en-US" smtClean="0"/>
-              <a:t>11/4/2015</a:t>
+              <a:t>11/8/2015</a:t>
             </a:fld>
             <a:endParaRPr lang="en-US" dirty="0"/>
           </a:p>
@@ -10992,7 +10992,7 @@
           <a:p>
             <a:fld id="{D1AC848A-7786-4CD4-9051-10EDD27496F2}" type="datetime1">
               <a:rPr lang="en-US" smtClean="0"/>
-              <a:t>11/4/2015</a:t>
+              <a:t>11/8/2015</a:t>
             </a:fld>
             <a:endParaRPr lang="en-US" dirty="0"/>
           </a:p>
@@ -16076,14 +16076,14 @@
           <p:nvPr>
             <p:extLst>
               <p:ext uri="{D42A27DB-BD31-4B8C-83A1-F6EECF244321}">
-                <p14:modId xmlns:p14="http://schemas.microsoft.com/office/powerpoint/2010/main" val="2837861988"/>
+                <p14:modId xmlns:p14="http://schemas.microsoft.com/office/powerpoint/2010/main" val="1612715322"/>
               </p:ext>
             </p:extLst>
           </p:nvPr>
         </p:nvGraphicFramePr>
         <p:xfrm>
           <a:off x="1953848" y="-163425"/>
-          <a:ext cx="5705721" cy="9327901"/>
+          <a:ext cx="5805969" cy="9849744"/>
         </p:xfrm>
         <a:graphic>
           <a:graphicData uri="http://schemas.openxmlformats.org/drawingml/2006/table">
@@ -16092,13 +16092,16 @@
                 <a:tableStyleId>{5C22544A-7EE6-4342-B048-85BDC9FD1C3A}</a:tableStyleId>
               </a:tblPr>
               <a:tblGrid>
-                <a:gridCol w="1869807"/>
+                <a:gridCol w="1141690"/>
+                <a:gridCol w="612396"/>
+                <a:gridCol w="115721"/>
                 <a:gridCol w="161791"/>
-                <a:gridCol w="1803071"/>
-                <a:gridCol w="1871052"/>
+                <a:gridCol w="1324785"/>
+                <a:gridCol w="478286"/>
+                <a:gridCol w="1971300"/>
               </a:tblGrid>
               <a:tr h="120219">
-                <a:tc gridSpan="4">
+                <a:tc gridSpan="7">
                   <a:txBody>
                     <a:bodyPr/>
                     <a:lstStyle/>
@@ -16157,9 +16160,39 @@
                   </a:txBody>
                   <a:tcPr/>
                 </a:tc>
+                <a:tc hMerge="1">
+                  <a:txBody>
+                    <a:bodyPr/>
+                    <a:lstStyle/>
+                    <a:p>
+                      <a:endParaRPr lang="en-SG"/>
+                    </a:p>
+                  </a:txBody>
+                  <a:tcPr/>
+                </a:tc>
+                <a:tc hMerge="1">
+                  <a:txBody>
+                    <a:bodyPr/>
+                    <a:lstStyle/>
+                    <a:p>
+                      <a:endParaRPr lang="en-SG"/>
+                    </a:p>
+                  </a:txBody>
+                  <a:tcPr/>
+                </a:tc>
+                <a:tc hMerge="1">
+                  <a:txBody>
+                    <a:bodyPr/>
+                    <a:lstStyle/>
+                    <a:p>
+                      <a:endParaRPr lang="en-SG"/>
+                    </a:p>
+                  </a:txBody>
+                  <a:tcPr/>
+                </a:tc>
               </a:tr>
               <a:tr h="240436">
-                <a:tc gridSpan="2">
+                <a:tc gridSpan="4">
                   <a:txBody>
                     <a:bodyPr/>
                     <a:lstStyle/>
@@ -16204,7 +16237,27 @@
                   </a:txBody>
                   <a:tcPr/>
                 </a:tc>
-                <a:tc>
+                <a:tc hMerge="1">
+                  <a:txBody>
+                    <a:bodyPr/>
+                    <a:lstStyle/>
+                    <a:p>
+                      <a:endParaRPr lang="en-SG"/>
+                    </a:p>
+                  </a:txBody>
+                  <a:tcPr/>
+                </a:tc>
+                <a:tc hMerge="1">
+                  <a:txBody>
+                    <a:bodyPr/>
+                    <a:lstStyle/>
+                    <a:p>
+                      <a:endParaRPr lang="en-SG"/>
+                    </a:p>
+                  </a:txBody>
+                  <a:tcPr/>
+                </a:tc>
+                <a:tc gridSpan="2">
                   <a:txBody>
                     <a:bodyPr/>
                     <a:lstStyle/>
@@ -16233,6 +16286,16 @@
                   </a:txBody>
                   <a:tcPr marL="20434" marR="20434" marT="0" marB="0"/>
                 </a:tc>
+                <a:tc hMerge="1">
+                  <a:txBody>
+                    <a:bodyPr/>
+                    <a:lstStyle/>
+                    <a:p>
+                      <a:endParaRPr lang="en-SG"/>
+                    </a:p>
+                  </a:txBody>
+                  <a:tcPr/>
+                </a:tc>
                 <a:tc>
                   <a:txBody>
                     <a:bodyPr/>
@@ -16270,7 +16333,7 @@
                 </a:tc>
               </a:tr>
               <a:tr h="240436">
-                <a:tc gridSpan="2">
+                <a:tc gridSpan="4">
                   <a:txBody>
                     <a:bodyPr/>
                     <a:lstStyle/>
@@ -16327,7 +16390,27 @@
                   </a:txBody>
                   <a:tcPr/>
                 </a:tc>
-                <a:tc>
+                <a:tc hMerge="1">
+                  <a:txBody>
+                    <a:bodyPr/>
+                    <a:lstStyle/>
+                    <a:p>
+                      <a:endParaRPr lang="en-SG"/>
+                    </a:p>
+                  </a:txBody>
+                  <a:tcPr/>
+                </a:tc>
+                <a:tc hMerge="1">
+                  <a:txBody>
+                    <a:bodyPr/>
+                    <a:lstStyle/>
+                    <a:p>
+                      <a:endParaRPr lang="en-SG"/>
+                    </a:p>
+                  </a:txBody>
+                  <a:tcPr/>
+                </a:tc>
+                <a:tc gridSpan="2">
                   <a:txBody>
                     <a:bodyPr/>
                     <a:lstStyle/>
@@ -16356,6 +16439,16 @@
                   </a:txBody>
                   <a:tcPr marL="20434" marR="20434" marT="0" marB="0"/>
                 </a:tc>
+                <a:tc hMerge="1">
+                  <a:txBody>
+                    <a:bodyPr/>
+                    <a:lstStyle/>
+                    <a:p>
+                      <a:endParaRPr lang="en-SG"/>
+                    </a:p>
+                  </a:txBody>
+                  <a:tcPr/>
+                </a:tc>
                 <a:tc>
                   <a:txBody>
                     <a:bodyPr/>
@@ -16405,7 +16498,7 @@
                 </a:tc>
               </a:tr>
               <a:tr h="360655">
-                <a:tc gridSpan="2">
+                <a:tc gridSpan="4">
                   <a:txBody>
                     <a:bodyPr/>
                     <a:lstStyle/>
@@ -16474,7 +16567,27 @@
                   </a:txBody>
                   <a:tcPr/>
                 </a:tc>
-                <a:tc>
+                <a:tc hMerge="1">
+                  <a:txBody>
+                    <a:bodyPr/>
+                    <a:lstStyle/>
+                    <a:p>
+                      <a:endParaRPr lang="en-SG"/>
+                    </a:p>
+                  </a:txBody>
+                  <a:tcPr/>
+                </a:tc>
+                <a:tc hMerge="1">
+                  <a:txBody>
+                    <a:bodyPr/>
+                    <a:lstStyle/>
+                    <a:p>
+                      <a:endParaRPr lang="en-SG"/>
+                    </a:p>
+                  </a:txBody>
+                  <a:tcPr/>
+                </a:tc>
+                <a:tc gridSpan="2">
                   <a:txBody>
                     <a:bodyPr/>
                     <a:lstStyle/>
@@ -16503,6 +16616,16 @@
                   </a:txBody>
                   <a:tcPr marL="20434" marR="20434" marT="0" marB="0"/>
                 </a:tc>
+                <a:tc hMerge="1">
+                  <a:txBody>
+                    <a:bodyPr/>
+                    <a:lstStyle/>
+                    <a:p>
+                      <a:endParaRPr lang="en-SG"/>
+                    </a:p>
+                  </a:txBody>
+                  <a:tcPr/>
+                </a:tc>
                 <a:tc>
                   <a:txBody>
                     <a:bodyPr/>
@@ -16564,7 +16687,7 @@
                 </a:tc>
               </a:tr>
               <a:tr h="240436">
-                <a:tc gridSpan="2">
+                <a:tc gridSpan="4">
                   <a:txBody>
                     <a:bodyPr/>
                     <a:lstStyle/>
@@ -16621,7 +16744,27 @@
                   </a:txBody>
                   <a:tcPr/>
                 </a:tc>
-                <a:tc>
+                <a:tc hMerge="1">
+                  <a:txBody>
+                    <a:bodyPr/>
+                    <a:lstStyle/>
+                    <a:p>
+                      <a:endParaRPr lang="en-SG"/>
+                    </a:p>
+                  </a:txBody>
+                  <a:tcPr/>
+                </a:tc>
+                <a:tc hMerge="1">
+                  <a:txBody>
+                    <a:bodyPr/>
+                    <a:lstStyle/>
+                    <a:p>
+                      <a:endParaRPr lang="en-SG"/>
+                    </a:p>
+                  </a:txBody>
+                  <a:tcPr/>
+                </a:tc>
+                <a:tc gridSpan="2">
                   <a:txBody>
                     <a:bodyPr/>
                     <a:lstStyle/>
@@ -16650,6 +16793,16 @@
                   </a:txBody>
                   <a:tcPr marL="20434" marR="20434" marT="0" marB="0"/>
                 </a:tc>
+                <a:tc hMerge="1">
+                  <a:txBody>
+                    <a:bodyPr/>
+                    <a:lstStyle/>
+                    <a:p>
+                      <a:endParaRPr lang="en-SG"/>
+                    </a:p>
+                  </a:txBody>
+                  <a:tcPr/>
+                </a:tc>
                 <a:tc>
                   <a:txBody>
                     <a:bodyPr/>
@@ -16699,7 +16852,7 @@
                 </a:tc>
               </a:tr>
               <a:tr h="120219">
-                <a:tc gridSpan="4">
+                <a:tc gridSpan="7">
                   <a:txBody>
                     <a:bodyPr/>
                     <a:lstStyle/>
@@ -16805,9 +16958,39 @@
                   </a:txBody>
                   <a:tcPr/>
                 </a:tc>
+                <a:tc hMerge="1">
+                  <a:txBody>
+                    <a:bodyPr/>
+                    <a:lstStyle/>
+                    <a:p>
+                      <a:endParaRPr lang="en-SG"/>
+                    </a:p>
+                  </a:txBody>
+                  <a:tcPr/>
+                </a:tc>
+                <a:tc hMerge="1">
+                  <a:txBody>
+                    <a:bodyPr/>
+                    <a:lstStyle/>
+                    <a:p>
+                      <a:endParaRPr lang="en-SG"/>
+                    </a:p>
+                  </a:txBody>
+                  <a:tcPr/>
+                </a:tc>
+                <a:tc hMerge="1">
+                  <a:txBody>
+                    <a:bodyPr/>
+                    <a:lstStyle/>
+                    <a:p>
+                      <a:endParaRPr lang="en-SG"/>
+                    </a:p>
+                  </a:txBody>
+                  <a:tcPr/>
+                </a:tc>
               </a:tr>
               <a:tr h="120219">
-                <a:tc gridSpan="4">
+                <a:tc gridSpan="7">
                   <a:txBody>
                     <a:bodyPr/>
                     <a:lstStyle/>
@@ -16866,9 +17049,39 @@
                   </a:txBody>
                   <a:tcPr/>
                 </a:tc>
+                <a:tc hMerge="1">
+                  <a:txBody>
+                    <a:bodyPr/>
+                    <a:lstStyle/>
+                    <a:p>
+                      <a:endParaRPr lang="en-SG"/>
+                    </a:p>
+                  </a:txBody>
+                  <a:tcPr/>
+                </a:tc>
+                <a:tc hMerge="1">
+                  <a:txBody>
+                    <a:bodyPr/>
+                    <a:lstStyle/>
+                    <a:p>
+                      <a:endParaRPr lang="en-SG"/>
+                    </a:p>
+                  </a:txBody>
+                  <a:tcPr/>
+                </a:tc>
+                <a:tc hMerge="1">
+                  <a:txBody>
+                    <a:bodyPr/>
+                    <a:lstStyle/>
+                    <a:p>
+                      <a:endParaRPr lang="en-SG"/>
+                    </a:p>
+                  </a:txBody>
+                  <a:tcPr/>
+                </a:tc>
               </a:tr>
               <a:tr h="360655">
-                <a:tc gridSpan="2">
+                <a:tc gridSpan="4">
                   <a:txBody>
                     <a:bodyPr/>
                     <a:lstStyle/>
@@ -16913,7 +17126,27 @@
                   </a:txBody>
                   <a:tcPr/>
                 </a:tc>
-                <a:tc>
+                <a:tc hMerge="1">
+                  <a:txBody>
+                    <a:bodyPr/>
+                    <a:lstStyle/>
+                    <a:p>
+                      <a:endParaRPr lang="en-SG"/>
+                    </a:p>
+                  </a:txBody>
+                  <a:tcPr/>
+                </a:tc>
+                <a:tc hMerge="1">
+                  <a:txBody>
+                    <a:bodyPr/>
+                    <a:lstStyle/>
+                    <a:p>
+                      <a:endParaRPr lang="en-SG"/>
+                    </a:p>
+                  </a:txBody>
+                  <a:tcPr/>
+                </a:tc>
+                <a:tc gridSpan="2">
                   <a:txBody>
                     <a:bodyPr/>
                     <a:lstStyle/>
@@ -16942,6 +17175,16 @@
                   </a:txBody>
                   <a:tcPr marL="20434" marR="20434" marT="0" marB="0"/>
                 </a:tc>
+                <a:tc hMerge="1">
+                  <a:txBody>
+                    <a:bodyPr/>
+                    <a:lstStyle/>
+                    <a:p>
+                      <a:endParaRPr lang="en-SG"/>
+                    </a:p>
+                  </a:txBody>
+                  <a:tcPr/>
+                </a:tc>
                 <a:tc>
                   <a:txBody>
                     <a:bodyPr/>
@@ -16973,7 +17216,7 @@
                 </a:tc>
               </a:tr>
               <a:tr h="360655">
-                <a:tc gridSpan="2">
+                <a:tc gridSpan="4">
                   <a:txBody>
                     <a:bodyPr/>
                     <a:lstStyle/>
@@ -17018,7 +17261,27 @@
                   </a:txBody>
                   <a:tcPr/>
                 </a:tc>
-                <a:tc>
+                <a:tc hMerge="1">
+                  <a:txBody>
+                    <a:bodyPr/>
+                    <a:lstStyle/>
+                    <a:p>
+                      <a:endParaRPr lang="en-SG"/>
+                    </a:p>
+                  </a:txBody>
+                  <a:tcPr/>
+                </a:tc>
+                <a:tc hMerge="1">
+                  <a:txBody>
+                    <a:bodyPr/>
+                    <a:lstStyle/>
+                    <a:p>
+                      <a:endParaRPr lang="en-SG"/>
+                    </a:p>
+                  </a:txBody>
+                  <a:tcPr/>
+                </a:tc>
+                <a:tc gridSpan="2">
                   <a:txBody>
                     <a:bodyPr/>
                     <a:lstStyle/>
@@ -17059,6 +17322,16 @@
                   </a:txBody>
                   <a:tcPr marL="20434" marR="20434" marT="0" marB="0"/>
                 </a:tc>
+                <a:tc hMerge="1">
+                  <a:txBody>
+                    <a:bodyPr/>
+                    <a:lstStyle/>
+                    <a:p>
+                      <a:endParaRPr lang="en-SG"/>
+                    </a:p>
+                  </a:txBody>
+                  <a:tcPr/>
+                </a:tc>
                 <a:tc>
                   <a:txBody>
                     <a:bodyPr/>
@@ -17090,7 +17363,7 @@
                 </a:tc>
               </a:tr>
               <a:tr h="120219">
-                <a:tc gridSpan="4">
+                <a:tc gridSpan="7">
                   <a:txBody>
                     <a:bodyPr/>
                     <a:lstStyle/>
@@ -17149,6 +17422,36 @@
                   </a:txBody>
                   <a:tcPr/>
                 </a:tc>
+                <a:tc hMerge="1">
+                  <a:txBody>
+                    <a:bodyPr/>
+                    <a:lstStyle/>
+                    <a:p>
+                      <a:endParaRPr lang="en-SG"/>
+                    </a:p>
+                  </a:txBody>
+                  <a:tcPr/>
+                </a:tc>
+                <a:tc hMerge="1">
+                  <a:txBody>
+                    <a:bodyPr/>
+                    <a:lstStyle/>
+                    <a:p>
+                      <a:endParaRPr lang="en-SG"/>
+                    </a:p>
+                  </a:txBody>
+                  <a:tcPr/>
+                </a:tc>
+                <a:tc hMerge="1">
+                  <a:txBody>
+                    <a:bodyPr/>
+                    <a:lstStyle/>
+                    <a:p>
+                      <a:endParaRPr lang="en-SG"/>
+                    </a:p>
+                  </a:txBody>
+                  <a:tcPr/>
+                </a:tc>
               </a:tr>
               <a:tr h="240436">
                 <a:tc gridSpan="2">
@@ -17244,7 +17547,7 @@
                   </a:txBody>
                   <a:tcPr/>
                 </a:tc>
-                <a:tc>
+                <a:tc gridSpan="4">
                   <a:txBody>
                     <a:bodyPr/>
                     <a:lstStyle/>
@@ -17258,12 +17561,12 @@
                         </a:spcAft>
                       </a:pPr>
                       <a:r>
-                        <a:rPr lang="en-US" sz="1600" b="0">
+                        <a:rPr lang="en-US" sz="1600" b="0" dirty="0">
                           <a:effectLst/>
                         </a:rPr>
                         <a:t>Change the priority of task</a:t>
                       </a:r>
-                      <a:endParaRPr lang="en-SG" sz="1200" b="0">
+                      <a:endParaRPr lang="en-SG" sz="1200" b="0" dirty="0">
                         <a:effectLst/>
                         <a:latin typeface="Calibri" panose="020F0502020204030204" pitchFamily="34" charset="0"/>
                         <a:ea typeface="Calibri" panose="020F0502020204030204" pitchFamily="34" charset="0"/>
@@ -17273,7 +17576,17 @@
                   </a:txBody>
                   <a:tcPr marL="20434" marR="20434" marT="0" marB="0"/>
                 </a:tc>
-                <a:tc>
+                <a:tc hMerge="1">
+                  <a:txBody>
+                    <a:bodyPr/>
+                    <a:lstStyle/>
+                    <a:p>
+                      <a:endParaRPr lang="en-SG"/>
+                    </a:p>
+                  </a:txBody>
+                  <a:tcPr/>
+                </a:tc>
+                <a:tc hMerge="1">
                   <a:txBody>
                     <a:bodyPr/>
                     <a:lstStyle/>
@@ -17286,49 +17599,7 @@
                           <a:spcPts val="0"/>
                         </a:spcAft>
                       </a:pPr>
-                      <a:r>
-                        <a:rPr lang="en-US" sz="1600" b="0" dirty="0">
-                          <a:effectLst/>
-                        </a:rPr>
-                        <a:t>Edit </a:t>
-                      </a:r>
-                      <a:r>
-                        <a:rPr lang="en-US" sz="1600" b="0" u="sng" dirty="0" smtClean="0">
-                          <a:effectLst/>
-                        </a:rPr>
-                        <a:t>`groceries</a:t>
-                      </a:r>
-                      <a:r>
-                        <a:rPr lang="en-US" sz="1600" b="0" dirty="0" smtClean="0">
-                          <a:effectLst/>
-                        </a:rPr>
-                        <a:t>  </a:t>
-                      </a:r>
-                      <a:r>
-                        <a:rPr lang="en-US" sz="1600" b="0" u="sng" dirty="0" smtClean="0">
-                          <a:effectLst/>
-                        </a:rPr>
-                        <a:t>`#</a:t>
-                      </a:r>
-                      <a:r>
-                        <a:rPr lang="en-US" sz="1600" b="0" dirty="0" smtClean="0">
-                          <a:effectLst/>
-                        </a:rPr>
-                        <a:t>  </a:t>
-                      </a:r>
-                      <a:r>
-                        <a:rPr lang="en-US" sz="1600" b="0" u="sng" dirty="0" smtClean="0">
-                          <a:effectLst/>
-                        </a:rPr>
-                        <a:t>`#</a:t>
-                      </a:r>
-                      <a:r>
-                        <a:rPr lang="en-US" sz="1600" b="0" u="sng" dirty="0">
-                          <a:effectLst/>
-                        </a:rPr>
-                        <a:t>2</a:t>
-                      </a:r>
-                      <a:endParaRPr lang="en-SG" sz="1200" b="0" dirty="0">
+                      <a:endParaRPr lang="en-SG" sz="1200" b="0">
                         <a:effectLst/>
                         <a:latin typeface="Calibri" panose="020F0502020204030204" pitchFamily="34" charset="0"/>
                         <a:ea typeface="Calibri" panose="020F0502020204030204" pitchFamily="34" charset="0"/>
@@ -17338,9 +17609,17 @@
                   </a:txBody>
                   <a:tcPr marL="20434" marR="20434" marT="0" marB="0"/>
                 </a:tc>
-              </a:tr>
-              <a:tr h="360655">
-                <a:tc gridSpan="2">
+                <a:tc hMerge="1">
+                  <a:txBody>
+                    <a:bodyPr/>
+                    <a:lstStyle/>
+                    <a:p>
+                      <a:endParaRPr lang="en-SG"/>
+                    </a:p>
+                  </a:txBody>
+                  <a:tcPr/>
+                </a:tc>
+                <a:tc>
                   <a:txBody>
                     <a:bodyPr/>
                     <a:lstStyle/>
@@ -17363,43 +17642,37 @@
                         <a:rPr lang="en-US" sz="1600" b="0" u="sng" dirty="0" smtClean="0">
                           <a:effectLst/>
                         </a:rPr>
-                        <a:t>`Task </a:t>
+                        <a:t>`groceries</a:t>
+                      </a:r>
+                      <a:r>
+                        <a:rPr lang="en-US" sz="1600" b="0" dirty="0" smtClean="0">
+                          <a:effectLst/>
+                        </a:rPr>
+                        <a:t>  </a:t>
+                      </a:r>
+                      <a:r>
+                        <a:rPr lang="en-US" sz="1600" b="0" u="sng" dirty="0" smtClean="0">
+                          <a:effectLst/>
+                        </a:rPr>
+                        <a:t>`#</a:t>
+                      </a:r>
+                      <a:r>
+                        <a:rPr lang="en-US" sz="1600" b="0" dirty="0" smtClean="0">
+                          <a:effectLst/>
+                        </a:rPr>
+                        <a:t>  </a:t>
+                      </a:r>
+                      <a:r>
+                        <a:rPr lang="en-US" sz="1600" b="0" u="sng" dirty="0" smtClean="0">
+                          <a:effectLst/>
+                        </a:rPr>
+                        <a:t>`#</a:t>
                       </a:r>
                       <a:r>
                         <a:rPr lang="en-US" sz="1600" b="0" u="sng" dirty="0">
                           <a:effectLst/>
                         </a:rPr>
-                        <a:t>Name</a:t>
-                      </a:r>
-                      <a:r>
-                        <a:rPr lang="en-US" sz="1600" b="0" dirty="0">
-                          <a:effectLst/>
-                        </a:rPr>
-                        <a:t>  </a:t>
-                      </a:r>
-                      <a:r>
-                        <a:rPr lang="en-US" sz="1600" b="0" u="sng" dirty="0" smtClean="0">
-                          <a:effectLst/>
-                        </a:rPr>
-                        <a:t>`name</a:t>
-                      </a:r>
-                      <a:r>
-                        <a:rPr lang="en-US" sz="1600" b="0" dirty="0" smtClean="0">
-                          <a:effectLst/>
-                        </a:rPr>
-                        <a:t>   </a:t>
-                      </a:r>
-                      <a:r>
-                        <a:rPr lang="en-US" sz="1600" b="0" u="sng" dirty="0" smtClean="0">
-                          <a:effectLst/>
-                        </a:rPr>
-                        <a:t>`new </a:t>
-                      </a:r>
-                      <a:r>
-                        <a:rPr lang="en-US" sz="1600" b="0" u="sng" dirty="0">
-                          <a:effectLst/>
-                        </a:rPr>
-                        <a:t>Detail</a:t>
+                        <a:t>2</a:t>
                       </a:r>
                       <a:endParaRPr lang="en-SG" sz="1200" b="0" dirty="0">
                         <a:effectLst/>
@@ -17411,17 +17684,9 @@
                   </a:txBody>
                   <a:tcPr marL="20434" marR="20434" marT="0" marB="0"/>
                 </a:tc>
-                <a:tc hMerge="1">
-                  <a:txBody>
-                    <a:bodyPr/>
-                    <a:lstStyle/>
-                    <a:p>
-                      <a:endParaRPr lang="en-SG"/>
-                    </a:p>
-                  </a:txBody>
-                  <a:tcPr/>
-                </a:tc>
-                <a:tc>
+              </a:tr>
+              <a:tr h="360655">
+                <a:tc gridSpan="2">
                   <a:txBody>
                     <a:bodyPr/>
                     <a:lstStyle/>
@@ -17438,7 +17703,49 @@
                         <a:rPr lang="en-US" sz="1600" b="0" dirty="0">
                           <a:effectLst/>
                         </a:rPr>
-                        <a:t>Change the name of task</a:t>
+                        <a:t>Edit </a:t>
+                      </a:r>
+                      <a:r>
+                        <a:rPr lang="en-US" sz="1600" b="0" u="sng" dirty="0" smtClean="0">
+                          <a:effectLst/>
+                        </a:rPr>
+                        <a:t>`Task </a:t>
+                      </a:r>
+                      <a:r>
+                        <a:rPr lang="en-US" sz="1600" b="0" u="sng" dirty="0">
+                          <a:effectLst/>
+                        </a:rPr>
+                        <a:t>Name</a:t>
+                      </a:r>
+                      <a:r>
+                        <a:rPr lang="en-US" sz="1600" b="0" dirty="0">
+                          <a:effectLst/>
+                        </a:rPr>
+                        <a:t>  </a:t>
+                      </a:r>
+                      <a:r>
+                        <a:rPr lang="en-US" sz="1600" b="0" u="sng" dirty="0" smtClean="0">
+                          <a:effectLst/>
+                        </a:rPr>
+                        <a:t>`name</a:t>
+                      </a:r>
+                      <a:r>
+                        <a:rPr lang="en-US" sz="1600" b="0" dirty="0" smtClean="0">
+                          <a:effectLst/>
+                        </a:rPr>
+                        <a:t>   </a:t>
+                      </a:r>
+                      <a:r>
+                        <a:rPr lang="en-US" sz="1600" b="0" u="sng" dirty="0" smtClean="0">
+                          <a:effectLst/>
+                        </a:rPr>
+                        <a:t>`new </a:t>
+                      </a:r>
+                      <a:r>
+                        <a:rPr lang="en-US" sz="1600" b="0" u="sng" dirty="0">
+                          <a:effectLst/>
+                        </a:rPr>
+                        <a:t>Detail</a:t>
                       </a:r>
                       <a:endParaRPr lang="en-SG" sz="1200" b="0" dirty="0">
                         <a:effectLst/>
@@ -17450,7 +17757,17 @@
                   </a:txBody>
                   <a:tcPr marL="20434" marR="20434" marT="0" marB="0"/>
                 </a:tc>
-                <a:tc>
+                <a:tc hMerge="1">
+                  <a:txBody>
+                    <a:bodyPr/>
+                    <a:lstStyle/>
+                    <a:p>
+                      <a:endParaRPr lang="en-SG"/>
+                    </a:p>
+                  </a:txBody>
+                  <a:tcPr/>
+                </a:tc>
+                <a:tc gridSpan="4">
                   <a:txBody>
                     <a:bodyPr/>
                     <a:lstStyle/>
@@ -17467,43 +17784,7 @@
                         <a:rPr lang="en-US" sz="1600" b="0" dirty="0">
                           <a:effectLst/>
                         </a:rPr>
-                        <a:t>Edit </a:t>
-                      </a:r>
-                      <a:r>
-                        <a:rPr lang="en-US" sz="1600" b="0" u="sng" dirty="0" smtClean="0">
-                          <a:effectLst/>
-                        </a:rPr>
-                        <a:t>`groceries</a:t>
-                      </a:r>
-                      <a:r>
-                        <a:rPr lang="en-US" sz="1600" b="0" dirty="0" smtClean="0">
-                          <a:effectLst/>
-                        </a:rPr>
-                        <a:t>  </a:t>
-                      </a:r>
-                      <a:r>
-                        <a:rPr lang="en-US" sz="1600" b="0" u="sng" dirty="0" smtClean="0">
-                          <a:effectLst/>
-                        </a:rPr>
-                        <a:t>`name</a:t>
-                      </a:r>
-                      <a:r>
-                        <a:rPr lang="en-US" sz="1600" b="0" dirty="0" smtClean="0">
-                          <a:effectLst/>
-                        </a:rPr>
-                        <a:t>  </a:t>
-                      </a:r>
-                      <a:r>
-                        <a:rPr lang="en-US" sz="1600" b="0" u="sng" dirty="0" smtClean="0">
-                          <a:effectLst/>
-                        </a:rPr>
-                        <a:t>`buy </a:t>
-                      </a:r>
-                      <a:r>
-                        <a:rPr lang="en-US" sz="1600" b="0" u="sng" dirty="0">
-                          <a:effectLst/>
-                        </a:rPr>
-                        <a:t>fruits</a:t>
+                        <a:t>Change the name of task</a:t>
                       </a:r>
                       <a:endParaRPr lang="en-SG" sz="1200" b="0" dirty="0">
                         <a:effectLst/>
@@ -17515,9 +17796,17 @@
                   </a:txBody>
                   <a:tcPr marL="20434" marR="20434" marT="0" marB="0"/>
                 </a:tc>
-              </a:tr>
-              <a:tr h="240436">
-                <a:tc gridSpan="2">
+                <a:tc hMerge="1">
+                  <a:txBody>
+                    <a:bodyPr/>
+                    <a:lstStyle/>
+                    <a:p>
+                      <a:endParaRPr lang="en-SG"/>
+                    </a:p>
+                  </a:txBody>
+                  <a:tcPr/>
+                </a:tc>
+                <a:tc hMerge="1">
                   <a:txBody>
                     <a:bodyPr/>
                     <a:lstStyle/>
@@ -17530,54 +17819,6 @@
                           <a:spcPts val="0"/>
                         </a:spcAft>
                       </a:pPr>
-                      <a:r>
-                        <a:rPr lang="en-US" sz="1600" b="0" dirty="0">
-                          <a:effectLst/>
-                        </a:rPr>
-                        <a:t>Edit </a:t>
-                      </a:r>
-                      <a:r>
-                        <a:rPr lang="en-US" sz="1600" b="0" u="sng" dirty="0" smtClean="0">
-                          <a:effectLst/>
-                        </a:rPr>
-                        <a:t>`Task </a:t>
-                      </a:r>
-                      <a:r>
-                        <a:rPr lang="en-US" sz="1600" b="0" u="sng" dirty="0">
-                          <a:effectLst/>
-                        </a:rPr>
-                        <a:t>Name</a:t>
-                      </a:r>
-                      <a:r>
-                        <a:rPr lang="en-US" sz="1600" b="0" dirty="0">
-                          <a:effectLst/>
-                        </a:rPr>
-                        <a:t>  </a:t>
-                      </a:r>
-                      <a:r>
-                        <a:rPr lang="en-US" sz="1600" b="0" u="sng" dirty="0" smtClean="0">
-                          <a:effectLst/>
-                        </a:rPr>
-                        <a:t>`date</a:t>
-                      </a:r>
-                      <a:r>
-                        <a:rPr lang="en-US" sz="1600" b="0" dirty="0" smtClean="0">
-                          <a:effectLst/>
-                        </a:rPr>
-                        <a:t>   </a:t>
-                      </a:r>
-                      <a:r>
-                        <a:rPr lang="en-US" sz="1600" b="0" u="sng" dirty="0" smtClean="0">
-                          <a:effectLst/>
-                        </a:rPr>
-                        <a:t>`new </a:t>
-                      </a:r>
-                      <a:r>
-                        <a:rPr lang="en-US" sz="1600" b="0" u="sng" dirty="0">
-                          <a:effectLst/>
-                        </a:rPr>
-                        <a:t>Detail</a:t>
-                      </a:r>
                       <a:endParaRPr lang="en-SG" sz="1200" b="0" dirty="0">
                         <a:effectLst/>
                         <a:latin typeface="Calibri" panose="020F0502020204030204" pitchFamily="34" charset="0"/>
@@ -17612,12 +17853,48 @@
                         </a:spcAft>
                       </a:pPr>
                       <a:r>
-                        <a:rPr lang="en-US" sz="1600" b="0">
-                          <a:effectLst/>
-                        </a:rPr>
-                        <a:t>Change date of task</a:t>
-                      </a:r>
-                      <a:endParaRPr lang="en-SG" sz="1200" b="0">
+                        <a:rPr lang="en-US" sz="1600" b="0" dirty="0">
+                          <a:effectLst/>
+                        </a:rPr>
+                        <a:t>Edit </a:t>
+                      </a:r>
+                      <a:r>
+                        <a:rPr lang="en-US" sz="1600" b="0" u="sng" dirty="0" smtClean="0">
+                          <a:effectLst/>
+                        </a:rPr>
+                        <a:t>`groceries</a:t>
+                      </a:r>
+                      <a:r>
+                        <a:rPr lang="en-US" sz="1600" b="0" dirty="0" smtClean="0">
+                          <a:effectLst/>
+                        </a:rPr>
+                        <a:t>  </a:t>
+                      </a:r>
+                      <a:r>
+                        <a:rPr lang="en-US" sz="1600" b="0" u="sng" dirty="0" smtClean="0">
+                          <a:effectLst/>
+                        </a:rPr>
+                        <a:t>`name</a:t>
+                      </a:r>
+                      <a:r>
+                        <a:rPr lang="en-US" sz="1600" b="0" dirty="0" smtClean="0">
+                          <a:effectLst/>
+                        </a:rPr>
+                        <a:t>  </a:t>
+                      </a:r>
+                      <a:r>
+                        <a:rPr lang="en-US" sz="1600" b="0" u="sng" dirty="0" smtClean="0">
+                          <a:effectLst/>
+                        </a:rPr>
+                        <a:t>`buy </a:t>
+                      </a:r>
+                      <a:r>
+                        <a:rPr lang="en-US" sz="1600" b="0" u="sng" dirty="0">
+                          <a:effectLst/>
+                        </a:rPr>
+                        <a:t>fruits</a:t>
+                      </a:r>
+                      <a:endParaRPr lang="en-SG" sz="1200" b="0" dirty="0">
                         <a:effectLst/>
                         <a:latin typeface="Calibri" panose="020F0502020204030204" pitchFamily="34" charset="0"/>
                         <a:ea typeface="Calibri" panose="020F0502020204030204" pitchFamily="34" charset="0"/>
@@ -17627,7 +17904,9 @@
                   </a:txBody>
                   <a:tcPr marL="20434" marR="20434" marT="0" marB="0"/>
                 </a:tc>
-                <a:tc>
+              </a:tr>
+              <a:tr h="240436">
+                <a:tc gridSpan="2">
                   <a:txBody>
                     <a:bodyPr/>
                     <a:lstStyle/>
@@ -17650,25 +17929,43 @@
                         <a:rPr lang="en-US" sz="1600" b="0" u="sng" dirty="0" smtClean="0">
                           <a:effectLst/>
                         </a:rPr>
-                        <a:t>`groceries</a:t>
+                        <a:t>`Task </a:t>
+                      </a:r>
+                      <a:r>
+                        <a:rPr lang="en-US" sz="1600" b="0" u="sng" dirty="0">
+                          <a:effectLst/>
+                        </a:rPr>
+                        <a:t>Name</a:t>
+                      </a:r>
+                      <a:r>
+                        <a:rPr lang="en-US" sz="1600" b="0" dirty="0">
+                          <a:effectLst/>
+                        </a:rPr>
+                        <a:t>  </a:t>
+                      </a:r>
+                      <a:r>
+                        <a:rPr lang="en-US" sz="1600" b="0" u="sng" dirty="0" smtClean="0">
+                          <a:effectLst/>
+                        </a:rPr>
+                        <a:t>`date</a:t>
                       </a:r>
                       <a:r>
                         <a:rPr lang="en-US" sz="1600" b="0" dirty="0" smtClean="0">
                           <a:effectLst/>
                         </a:rPr>
-                        <a:t>  </a:t>
+                        <a:t>   </a:t>
                       </a:r>
                       <a:r>
                         <a:rPr lang="en-US" sz="1600" b="0" u="sng" dirty="0" smtClean="0">
                           <a:effectLst/>
                         </a:rPr>
-                        <a:t>`time `10 </a:t>
-                      </a:r>
-                      <a:r>
-                        <a:rPr lang="en-US" sz="1600" b="0" u="sng" dirty="0" err="1">
-                          <a:effectLst/>
-                        </a:rPr>
-                        <a:t>oct</a:t>
+                        <a:t>`new </a:t>
+                      </a:r>
+                      <a:r>
+                        <a:rPr lang="en-US" sz="1600" b="0" u="sng" dirty="0">
+                          <a:effectLst/>
+                        </a:rPr>
+                        <a:t>Detail</a:t>
                       </a:r>
                       <a:endParaRPr lang="en-SG" sz="1200" b="0" dirty="0">
                         <a:effectLst/>
@@ -17680,9 +17977,186 @@
                   </a:txBody>
                   <a:tcPr marL="20434" marR="20434" marT="0" marB="0"/>
                 </a:tc>
+                <a:tc hMerge="1">
+                  <a:txBody>
+                    <a:bodyPr/>
+                    <a:lstStyle/>
+                    <a:p>
+                      <a:endParaRPr lang="en-SG"/>
+                    </a:p>
+                  </a:txBody>
+                  <a:tcPr/>
+                </a:tc>
+                <a:tc gridSpan="4">
+                  <a:txBody>
+                    <a:bodyPr/>
+                    <a:lstStyle/>
+                    <a:p>
+                      <a:pPr>
+                        <a:lnSpc>
+                          <a:spcPct val="107000"/>
+                        </a:lnSpc>
+                        <a:spcAft>
+                          <a:spcPts val="0"/>
+                        </a:spcAft>
+                      </a:pPr>
+                      <a:r>
+                        <a:rPr lang="en-US" sz="1600" b="0" dirty="0">
+                          <a:effectLst/>
+                        </a:rPr>
+                        <a:t>Change date of </a:t>
+                      </a:r>
+                      <a:r>
+                        <a:rPr lang="en-US" sz="1600" b="0" dirty="0" smtClean="0">
+                          <a:effectLst/>
+                        </a:rPr>
+                        <a:t>task (</a:t>
+                      </a:r>
+                      <a:r>
+                        <a:rPr lang="en-US" sz="1600" b="0" dirty="0" err="1" smtClean="0">
+                          <a:effectLst/>
+                        </a:rPr>
+                        <a:t>startTime</a:t>
+                      </a:r>
+                      <a:r>
+                        <a:rPr lang="en-US" sz="1600" b="0" baseline="0" dirty="0" smtClean="0">
+                          <a:effectLst/>
+                        </a:rPr>
+                        <a:t> or </a:t>
+                      </a:r>
+                      <a:r>
+                        <a:rPr lang="en-US" sz="1600" b="0" baseline="0" dirty="0" err="1" smtClean="0">
+                          <a:effectLst/>
+                        </a:rPr>
+                        <a:t>endTime</a:t>
+                      </a:r>
+                      <a:r>
+                        <a:rPr lang="en-US" sz="1600" b="0" baseline="0" smtClean="0">
+                          <a:effectLst/>
+                        </a:rPr>
+                        <a:t>)</a:t>
+                      </a:r>
+                      <a:endParaRPr lang="en-SG" sz="1200" b="0">
+                        <a:effectLst/>
+                        <a:latin typeface="Calibri" panose="020F0502020204030204" pitchFamily="34" charset="0"/>
+                        <a:ea typeface="Calibri" panose="020F0502020204030204" pitchFamily="34" charset="0"/>
+                        <a:cs typeface="Times New Roman" panose="02020603050405020304" pitchFamily="18" charset="0"/>
+                      </a:endParaRPr>
+                    </a:p>
+                  </a:txBody>
+                  <a:tcPr marL="20434" marR="20434" marT="0" marB="0"/>
+                </a:tc>
+                <a:tc hMerge="1">
+                  <a:txBody>
+                    <a:bodyPr/>
+                    <a:lstStyle/>
+                    <a:p>
+                      <a:endParaRPr lang="en-SG"/>
+                    </a:p>
+                  </a:txBody>
+                  <a:tcPr/>
+                </a:tc>
+                <a:tc hMerge="1">
+                  <a:txBody>
+                    <a:bodyPr/>
+                    <a:lstStyle/>
+                    <a:p>
+                      <a:pPr>
+                        <a:lnSpc>
+                          <a:spcPct val="107000"/>
+                        </a:lnSpc>
+                        <a:spcAft>
+                          <a:spcPts val="0"/>
+                        </a:spcAft>
+                      </a:pPr>
+                      <a:endParaRPr lang="en-SG" sz="1200" b="0" dirty="0">
+                        <a:effectLst/>
+                        <a:latin typeface="Calibri" panose="020F0502020204030204" pitchFamily="34" charset="0"/>
+                        <a:ea typeface="Calibri" panose="020F0502020204030204" pitchFamily="34" charset="0"/>
+                        <a:cs typeface="Times New Roman" panose="02020603050405020304" pitchFamily="18" charset="0"/>
+                      </a:endParaRPr>
+                    </a:p>
+                  </a:txBody>
+                  <a:tcPr marL="20434" marR="20434" marT="0" marB="0"/>
+                </a:tc>
+                <a:tc hMerge="1">
+                  <a:txBody>
+                    <a:bodyPr/>
+                    <a:lstStyle/>
+                    <a:p>
+                      <a:endParaRPr lang="en-SG"/>
+                    </a:p>
+                  </a:txBody>
+                  <a:tcPr/>
+                </a:tc>
+                <a:tc>
+                  <a:txBody>
+                    <a:bodyPr/>
+                    <a:lstStyle/>
+                    <a:p>
+                      <a:pPr>
+                        <a:lnSpc>
+                          <a:spcPct val="107000"/>
+                        </a:lnSpc>
+                        <a:spcAft>
+                          <a:spcPts val="0"/>
+                        </a:spcAft>
+                      </a:pPr>
+                      <a:r>
+                        <a:rPr lang="en-US" sz="1600" b="0" dirty="0">
+                          <a:effectLst/>
+                        </a:rPr>
+                        <a:t>Edit </a:t>
+                      </a:r>
+                      <a:r>
+                        <a:rPr lang="en-US" sz="1600" b="0" u="sng" dirty="0" smtClean="0">
+                          <a:effectLst/>
+                        </a:rPr>
+                        <a:t>`groceries</a:t>
+                      </a:r>
+                      <a:r>
+                        <a:rPr lang="en-US" sz="1600" b="0" dirty="0" smtClean="0">
+                          <a:effectLst/>
+                        </a:rPr>
+                        <a:t>  </a:t>
+                      </a:r>
+                      <a:r>
+                        <a:rPr lang="en-US" sz="1600" b="0" u="sng" dirty="0" smtClean="0">
+                          <a:effectLst/>
+                        </a:rPr>
+                        <a:t>`</a:t>
+                      </a:r>
+                      <a:r>
+                        <a:rPr lang="en-US" sz="1600" b="0" u="sng" dirty="0" err="1" smtClean="0">
+                          <a:effectLst/>
+                        </a:rPr>
+                        <a:t>startTime</a:t>
+                      </a:r>
+                      <a:r>
+                        <a:rPr lang="en-US" sz="1600" b="0" u="sng" dirty="0" smtClean="0">
+                          <a:effectLst/>
+                        </a:rPr>
+                        <a:t> `10 </a:t>
+                      </a:r>
+                      <a:r>
+                        <a:rPr lang="en-US" sz="1600" b="0" u="sng" dirty="0" err="1">
+                          <a:effectLst/>
+                        </a:rPr>
+                        <a:t>oct</a:t>
+                      </a:r>
+                      <a:endParaRPr lang="en-SG" sz="1200" b="0" dirty="0">
+                        <a:effectLst/>
+                        <a:latin typeface="Calibri" panose="020F0502020204030204" pitchFamily="34" charset="0"/>
+                        <a:ea typeface="Calibri" panose="020F0502020204030204" pitchFamily="34" charset="0"/>
+                        <a:cs typeface="Times New Roman" panose="02020603050405020304" pitchFamily="18" charset="0"/>
+                      </a:endParaRPr>
+                    </a:p>
+                  </a:txBody>
+                  <a:tcPr marL="20434" marR="20434" marT="0" marB="0"/>
+                </a:tc>
               </a:tr>
               <a:tr h="120219">
-                <a:tc gridSpan="4">
+                <a:tc gridSpan="7">
                   <a:txBody>
                     <a:bodyPr/>
                     <a:lstStyle/>
@@ -17741,6 +18215,36 @@
                   </a:txBody>
                   <a:tcPr/>
                 </a:tc>
+                <a:tc hMerge="1">
+                  <a:txBody>
+                    <a:bodyPr/>
+                    <a:lstStyle/>
+                    <a:p>
+                      <a:endParaRPr lang="en-SG"/>
+                    </a:p>
+                  </a:txBody>
+                  <a:tcPr/>
+                </a:tc>
+                <a:tc hMerge="1">
+                  <a:txBody>
+                    <a:bodyPr/>
+                    <a:lstStyle/>
+                    <a:p>
+                      <a:endParaRPr lang="en-SG"/>
+                    </a:p>
+                  </a:txBody>
+                  <a:tcPr/>
+                </a:tc>
+                <a:tc hMerge="1">
+                  <a:txBody>
+                    <a:bodyPr/>
+                    <a:lstStyle/>
+                    <a:p>
+                      <a:endParaRPr lang="en-SG"/>
+                    </a:p>
+                  </a:txBody>
+                  <a:tcPr/>
+                </a:tc>
               </a:tr>
               <a:tr h="480873">
                 <a:tc>
@@ -17778,7 +18282,7 @@
                   </a:txBody>
                   <a:tcPr marL="20434" marR="20434" marT="0" marB="0"/>
                 </a:tc>
-                <a:tc gridSpan="2">
+                <a:tc gridSpan="4">
                   <a:txBody>
                     <a:bodyPr/>
                     <a:lstStyle/>
@@ -17797,6 +18301,39 @@
                         </a:rPr>
                         <a:t>Search the task with matching task names, priorities or date</a:t>
                       </a:r>
+                      <a:endParaRPr lang="en-SG" sz="1200" b="0" dirty="0">
+                        <a:effectLst/>
+                        <a:latin typeface="Calibri" panose="020F0502020204030204" pitchFamily="34" charset="0"/>
+                        <a:ea typeface="Calibri" panose="020F0502020204030204" pitchFamily="34" charset="0"/>
+                        <a:cs typeface="Times New Roman" panose="02020603050405020304" pitchFamily="18" charset="0"/>
+                      </a:endParaRPr>
+                    </a:p>
+                  </a:txBody>
+                  <a:tcPr marL="20434" marR="20434" marT="0" marB="0"/>
+                </a:tc>
+                <a:tc hMerge="1">
+                  <a:txBody>
+                    <a:bodyPr/>
+                    <a:lstStyle/>
+                    <a:p>
+                      <a:endParaRPr lang="en-SG"/>
+                    </a:p>
+                  </a:txBody>
+                  <a:tcPr/>
+                </a:tc>
+                <a:tc hMerge="1">
+                  <a:txBody>
+                    <a:bodyPr/>
+                    <a:lstStyle/>
+                    <a:p>
+                      <a:pPr>
+                        <a:lnSpc>
+                          <a:spcPct val="107000"/>
+                        </a:lnSpc>
+                        <a:spcAft>
+                          <a:spcPts val="0"/>
+                        </a:spcAft>
+                      </a:pPr>
                       <a:endParaRPr lang="en-SG" sz="1200" b="0" dirty="0">
                         <a:effectLst/>
                         <a:latin typeface="Calibri" panose="020F0502020204030204" pitchFamily="34" charset="0"/>
@@ -17830,7 +18367,7 @@
                   </a:txBody>
                   <a:tcPr/>
                 </a:tc>
-                <a:tc>
+                <a:tc gridSpan="2">
                   <a:txBody>
                     <a:bodyPr/>
                     <a:lstStyle/>
@@ -17844,18 +18381,18 @@
                         </a:spcAft>
                       </a:pPr>
                       <a:r>
-                        <a:rPr lang="en-US" sz="1600" b="0">
+                        <a:rPr lang="en-US" sz="1600" b="0" dirty="0">
                           <a:effectLst/>
                         </a:rPr>
                         <a:t>Search </a:t>
                       </a:r>
                       <a:r>
-                        <a:rPr lang="en-US" sz="1600" b="0" u="sng">
+                        <a:rPr lang="en-US" sz="1600" b="0" u="sng" dirty="0">
                           <a:effectLst/>
                         </a:rPr>
                         <a:t>errands</a:t>
                       </a:r>
-                      <a:endParaRPr lang="en-SG" sz="1200" b="0">
+                      <a:endParaRPr lang="en-SG" sz="1200" b="0" dirty="0">
                         <a:effectLst/>
                       </a:endParaRPr>
                     </a:p>
@@ -17869,18 +18406,18 @@
                         </a:spcAft>
                       </a:pPr>
                       <a:r>
-                        <a:rPr lang="en-US" sz="1600" b="0">
+                        <a:rPr lang="en-US" sz="1600" b="0" dirty="0">
                           <a:effectLst/>
                         </a:rPr>
                         <a:t>Search </a:t>
                       </a:r>
                       <a:r>
-                        <a:rPr lang="en-US" sz="1600" b="0" u="sng">
+                        <a:rPr lang="en-US" sz="1600" b="0" u="sng" dirty="0">
                           <a:effectLst/>
                         </a:rPr>
                         <a:t>#2</a:t>
                       </a:r>
-                      <a:endParaRPr lang="en-SG" sz="1200" b="0">
+                      <a:endParaRPr lang="en-SG" sz="1200" b="0" dirty="0">
                         <a:effectLst/>
                       </a:endParaRPr>
                     </a:p>
@@ -17894,18 +18431,86 @@
                         </a:spcAft>
                       </a:pPr>
                       <a:r>
-                        <a:rPr lang="en-US" sz="1600" b="0">
+                        <a:rPr lang="en-US" sz="1600" b="0" dirty="0">
                           <a:effectLst/>
                         </a:rPr>
                         <a:t>Search </a:t>
                       </a:r>
                       <a:r>
-                        <a:rPr lang="en-US" sz="1600" b="0" u="sng">
-                          <a:effectLst/>
-                        </a:rPr>
-                        <a:t>30 Oct</a:t>
-                      </a:r>
-                      <a:endParaRPr lang="en-SG" sz="1200" b="0">
+                        <a:rPr lang="en-US" sz="1600" b="0" u="sng" dirty="0" smtClean="0">
+                          <a:effectLst/>
+                        </a:rPr>
+                        <a:t>30/Oct</a:t>
+                      </a:r>
+                    </a:p>
+                    <a:p>
+                      <a:pPr marL="0" marR="0" indent="0" algn="l" defTabSz="914388" rtl="0" eaLnBrk="1" fontAlgn="auto" latinLnBrk="0" hangingPunct="1">
+                        <a:lnSpc>
+                          <a:spcPct val="107000"/>
+                        </a:lnSpc>
+                        <a:spcBef>
+                          <a:spcPts val="0"/>
+                        </a:spcBef>
+                        <a:spcAft>
+                          <a:spcPts val="0"/>
+                        </a:spcAft>
+                        <a:buClrTx/>
+                        <a:buSzTx/>
+                        <a:buFontTx/>
+                        <a:buNone/>
+                        <a:tabLst/>
+                        <a:defRPr/>
+                      </a:pPr>
+                      <a:r>
+                        <a:rPr lang="en-US" sz="1600" b="0" u="sng" dirty="0" smtClean="0">
+                          <a:effectLst/>
+                          <a:latin typeface="Calibri" panose="020F0502020204030204" pitchFamily="34" charset="0"/>
+                          <a:ea typeface="Calibri" panose="020F0502020204030204" pitchFamily="34" charset="0"/>
+                          <a:cs typeface="Times New Roman" panose="02020603050405020304" pitchFamily="18" charset="0"/>
+                        </a:rPr>
+                        <a:t>Search </a:t>
+                      </a:r>
+                      <a:r>
+                        <a:rPr lang="en-US" sz="1600" b="0" u="sng" baseline="0" dirty="0" smtClean="0">
+                          <a:effectLst/>
+                          <a:latin typeface="Calibri" panose="020F0502020204030204" pitchFamily="34" charset="0"/>
+                          <a:ea typeface="Calibri" panose="020F0502020204030204" pitchFamily="34" charset="0"/>
+                          <a:cs typeface="Times New Roman" panose="02020603050405020304" pitchFamily="18" charset="0"/>
+                        </a:rPr>
+                        <a:t>#2 errands</a:t>
+                      </a:r>
+                      <a:endParaRPr lang="en-US" sz="1600" b="0" u="sng" dirty="0" smtClean="0">
+                        <a:effectLst/>
+                      </a:endParaRPr>
+                    </a:p>
+                    <a:p>
+                      <a:pPr>
+                        <a:lnSpc>
+                          <a:spcPct val="107000"/>
+                        </a:lnSpc>
+                        <a:spcAft>
+                          <a:spcPts val="0"/>
+                        </a:spcAft>
+                      </a:pPr>
+                      <a:r>
+                        <a:rPr lang="en-US" sz="1600" b="0" u="sng" dirty="0" smtClean="0">
+                          <a:effectLst/>
+                          <a:latin typeface="Calibri" panose="020F0502020204030204" pitchFamily="34" charset="0"/>
+                          <a:ea typeface="Calibri" panose="020F0502020204030204" pitchFamily="34" charset="0"/>
+                          <a:cs typeface="Times New Roman" panose="02020603050405020304" pitchFamily="18" charset="0"/>
+                        </a:rPr>
+                        <a:t>Search 30/Oct</a:t>
+                      </a:r>
+                      <a:r>
+                        <a:rPr lang="en-US" sz="1600" b="0" u="sng" baseline="0" dirty="0" smtClean="0">
+                          <a:effectLst/>
+                          <a:latin typeface="Calibri" panose="020F0502020204030204" pitchFamily="34" charset="0"/>
+                          <a:ea typeface="Calibri" panose="020F0502020204030204" pitchFamily="34" charset="0"/>
+                          <a:cs typeface="Times New Roman" panose="02020603050405020304" pitchFamily="18" charset="0"/>
+                        </a:rPr>
+                        <a:t> #2 errands</a:t>
+                      </a:r>
+                      <a:endParaRPr lang="en-SG" sz="1200" b="0" dirty="0">
                         <a:effectLst/>
                         <a:latin typeface="Calibri" panose="020F0502020204030204" pitchFamily="34" charset="0"/>
                         <a:ea typeface="Calibri" panose="020F0502020204030204" pitchFamily="34" charset="0"/>
@@ -17915,9 +18520,32 @@
                   </a:txBody>
                   <a:tcPr marL="20434" marR="20434" marT="0" marB="0"/>
                 </a:tc>
+                <a:tc hMerge="1">
+                  <a:txBody>
+                    <a:bodyPr/>
+                    <a:lstStyle/>
+                    <a:p>
+                      <a:pPr>
+                        <a:lnSpc>
+                          <a:spcPct val="107000"/>
+                        </a:lnSpc>
+                        <a:spcAft>
+                          <a:spcPts val="0"/>
+                        </a:spcAft>
+                      </a:pPr>
+                      <a:endParaRPr lang="en-SG" sz="1200" b="0" dirty="0">
+                        <a:effectLst/>
+                        <a:latin typeface="Calibri" panose="020F0502020204030204" pitchFamily="34" charset="0"/>
+                        <a:ea typeface="Calibri" panose="020F0502020204030204" pitchFamily="34" charset="0"/>
+                        <a:cs typeface="Times New Roman" panose="02020603050405020304" pitchFamily="18" charset="0"/>
+                      </a:endParaRPr>
+                    </a:p>
+                  </a:txBody>
+                  <a:tcPr marL="20434" marR="20434" marT="0" marB="0"/>
+                </a:tc>
               </a:tr>
               <a:tr h="120219">
-                <a:tc gridSpan="4">
+                <a:tc gridSpan="7">
                   <a:txBody>
                     <a:bodyPr/>
                     <a:lstStyle/>
@@ -17976,9 +18604,39 @@
                   </a:txBody>
                   <a:tcPr/>
                 </a:tc>
+                <a:tc hMerge="1">
+                  <a:txBody>
+                    <a:bodyPr/>
+                    <a:lstStyle/>
+                    <a:p>
+                      <a:endParaRPr lang="en-SG"/>
+                    </a:p>
+                  </a:txBody>
+                  <a:tcPr/>
+                </a:tc>
+                <a:tc hMerge="1">
+                  <a:txBody>
+                    <a:bodyPr/>
+                    <a:lstStyle/>
+                    <a:p>
+                      <a:endParaRPr lang="en-SG"/>
+                    </a:p>
+                  </a:txBody>
+                  <a:tcPr/>
+                </a:tc>
+                <a:tc hMerge="1">
+                  <a:txBody>
+                    <a:bodyPr/>
+                    <a:lstStyle/>
+                    <a:p>
+                      <a:endParaRPr lang="en-SG"/>
+                    </a:p>
+                  </a:txBody>
+                  <a:tcPr/>
+                </a:tc>
               </a:tr>
               <a:tr h="360655">
-                <a:tc>
+                <a:tc gridSpan="3">
                   <a:txBody>
                     <a:bodyPr/>
                     <a:lstStyle/>
@@ -18013,7 +18671,27 @@
                   </a:txBody>
                   <a:tcPr marL="20434" marR="20434" marT="0" marB="0"/>
                 </a:tc>
-                <a:tc gridSpan="2">
+                <a:tc hMerge="1">
+                  <a:txBody>
+                    <a:bodyPr/>
+                    <a:lstStyle/>
+                    <a:p>
+                      <a:endParaRPr lang="en-SG"/>
+                    </a:p>
+                  </a:txBody>
+                  <a:tcPr/>
+                </a:tc>
+                <a:tc hMerge="1">
+                  <a:txBody>
+                    <a:bodyPr/>
+                    <a:lstStyle/>
+                    <a:p>
+                      <a:endParaRPr lang="en-SG"/>
+                    </a:p>
+                  </a:txBody>
+                  <a:tcPr/>
+                </a:tc>
+                <a:tc gridSpan="3">
                   <a:txBody>
                     <a:bodyPr/>
                     <a:lstStyle/>
@@ -18052,6 +18730,16 @@
                   </a:txBody>
                   <a:tcPr/>
                 </a:tc>
+                <a:tc hMerge="1">
+                  <a:txBody>
+                    <a:bodyPr/>
+                    <a:lstStyle/>
+                    <a:p>
+                      <a:endParaRPr lang="en-SG"/>
+                    </a:p>
+                  </a:txBody>
+                  <a:tcPr/>
+                </a:tc>
                 <a:tc>
                   <a:txBody>
                     <a:bodyPr/>
@@ -18066,18 +18754,18 @@
                         </a:spcAft>
                       </a:pPr>
                       <a:r>
-                        <a:rPr lang="en-US" sz="1600" b="0">
+                        <a:rPr lang="en-US" sz="1600" b="0" dirty="0">
                           <a:effectLst/>
                         </a:rPr>
                         <a:t>Sort </a:t>
                       </a:r>
                       <a:r>
-                        <a:rPr lang="en-US" sz="1600" b="0" u="sng">
+                        <a:rPr lang="en-US" sz="1600" b="0" u="sng" dirty="0">
                           <a:effectLst/>
                         </a:rPr>
                         <a:t>Name</a:t>
                       </a:r>
-                      <a:endParaRPr lang="en-SG" sz="1200" b="0">
+                      <a:endParaRPr lang="en-SG" sz="1200" b="0" dirty="0">
                         <a:effectLst/>
                       </a:endParaRPr>
                     </a:p>
@@ -18091,18 +18779,18 @@
                         </a:spcAft>
                       </a:pPr>
                       <a:r>
-                        <a:rPr lang="en-US" sz="1600" b="0">
+                        <a:rPr lang="en-US" sz="1600" b="0" dirty="0">
                           <a:effectLst/>
                         </a:rPr>
                         <a:t>Sort</a:t>
                       </a:r>
                       <a:r>
-                        <a:rPr lang="en-US" sz="1600" b="0" u="sng">
+                        <a:rPr lang="en-US" sz="1600" b="0" u="sng" dirty="0">
                           <a:effectLst/>
                         </a:rPr>
                         <a:t> #</a:t>
                       </a:r>
-                      <a:endParaRPr lang="en-SG" sz="1200" b="0">
+                      <a:endParaRPr lang="en-SG" sz="1200" b="0" dirty="0">
                         <a:effectLst/>
                       </a:endParaRPr>
                     </a:p>
@@ -18116,18 +18804,18 @@
                         </a:spcAft>
                       </a:pPr>
                       <a:r>
-                        <a:rPr lang="en-US" sz="1600" b="0">
+                        <a:rPr lang="en-US" sz="1600" b="0" dirty="0">
                           <a:effectLst/>
                         </a:rPr>
                         <a:t>Sort </a:t>
                       </a:r>
                       <a:r>
-                        <a:rPr lang="en-US" sz="1600" b="0" u="sng">
-                          <a:effectLst/>
-                        </a:rPr>
-                        <a:t>date</a:t>
-                      </a:r>
-                      <a:endParaRPr lang="en-SG" sz="1200" b="0">
+                        <a:rPr lang="en-US" sz="1600" b="0" u="sng" dirty="0" smtClean="0">
+                          <a:effectLst/>
+                        </a:rPr>
+                        <a:t>time</a:t>
+                      </a:r>
+                      <a:endParaRPr lang="en-SG" sz="1200" b="0" dirty="0">
                         <a:effectLst/>
                         <a:latin typeface="Calibri" panose="020F0502020204030204" pitchFamily="34" charset="0"/>
                         <a:ea typeface="Calibri" panose="020F0502020204030204" pitchFamily="34" charset="0"/>
@@ -18139,7 +18827,7 @@
                 </a:tc>
               </a:tr>
               <a:tr h="120219">
-                <a:tc gridSpan="4">
+                <a:tc gridSpan="7">
                   <a:txBody>
                     <a:bodyPr/>
                     <a:lstStyle/>
@@ -18198,9 +18886,39 @@
                   </a:txBody>
                   <a:tcPr/>
                 </a:tc>
+                <a:tc hMerge="1">
+                  <a:txBody>
+                    <a:bodyPr/>
+                    <a:lstStyle/>
+                    <a:p>
+                      <a:endParaRPr lang="en-SG"/>
+                    </a:p>
+                  </a:txBody>
+                  <a:tcPr/>
+                </a:tc>
+                <a:tc hMerge="1">
+                  <a:txBody>
+                    <a:bodyPr/>
+                    <a:lstStyle/>
+                    <a:p>
+                      <a:endParaRPr lang="en-SG"/>
+                    </a:p>
+                  </a:txBody>
+                  <a:tcPr/>
+                </a:tc>
+                <a:tc hMerge="1">
+                  <a:txBody>
+                    <a:bodyPr/>
+                    <a:lstStyle/>
+                    <a:p>
+                      <a:endParaRPr lang="en-SG"/>
+                    </a:p>
+                  </a:txBody>
+                  <a:tcPr/>
+                </a:tc>
               </a:tr>
               <a:tr h="240436">
-                <a:tc gridSpan="2">
+                <a:tc gridSpan="4">
                   <a:txBody>
                     <a:bodyPr/>
                     <a:lstStyle/>
@@ -18239,7 +18957,27 @@
                   </a:txBody>
                   <a:tcPr/>
                 </a:tc>
-                <a:tc>
+                <a:tc hMerge="1">
+                  <a:txBody>
+                    <a:bodyPr/>
+                    <a:lstStyle/>
+                    <a:p>
+                      <a:endParaRPr lang="en-SG"/>
+                    </a:p>
+                  </a:txBody>
+                  <a:tcPr/>
+                </a:tc>
+                <a:tc hMerge="1">
+                  <a:txBody>
+                    <a:bodyPr/>
+                    <a:lstStyle/>
+                    <a:p>
+                      <a:endParaRPr lang="en-SG"/>
+                    </a:p>
+                  </a:txBody>
+                  <a:tcPr/>
+                </a:tc>
+                <a:tc gridSpan="2">
                   <a:txBody>
                     <a:bodyPr/>
                     <a:lstStyle/>
@@ -18268,6 +19006,16 @@
                   </a:txBody>
                   <a:tcPr marL="20434" marR="20434" marT="0" marB="0"/>
                 </a:tc>
+                <a:tc hMerge="1">
+                  <a:txBody>
+                    <a:bodyPr/>
+                    <a:lstStyle/>
+                    <a:p>
+                      <a:endParaRPr lang="en-SG"/>
+                    </a:p>
+                  </a:txBody>
+                  <a:tcPr/>
+                </a:tc>
                 <a:tc>
                   <a:txBody>
                     <a:bodyPr/>
@@ -18299,7 +19047,7 @@
                 </a:tc>
               </a:tr>
               <a:tr h="240436">
-                <a:tc gridSpan="2">
+                <a:tc gridSpan="4">
                   <a:txBody>
                     <a:bodyPr/>
                     <a:lstStyle/>
@@ -18338,7 +19086,27 @@
                   </a:txBody>
                   <a:tcPr/>
                 </a:tc>
-                <a:tc>
+                <a:tc hMerge="1">
+                  <a:txBody>
+                    <a:bodyPr/>
+                    <a:lstStyle/>
+                    <a:p>
+                      <a:endParaRPr lang="en-SG"/>
+                    </a:p>
+                  </a:txBody>
+                  <a:tcPr/>
+                </a:tc>
+                <a:tc hMerge="1">
+                  <a:txBody>
+                    <a:bodyPr/>
+                    <a:lstStyle/>
+                    <a:p>
+                      <a:endParaRPr lang="en-SG"/>
+                    </a:p>
+                  </a:txBody>
+                  <a:tcPr/>
+                </a:tc>
+                <a:tc gridSpan="2">
                   <a:txBody>
                     <a:bodyPr/>
                     <a:lstStyle/>
@@ -18366,6 +19134,16 @@
                     </a:p>
                   </a:txBody>
                   <a:tcPr marL="20434" marR="20434" marT="0" marB="0"/>
+                </a:tc>
+                <a:tc hMerge="1">
+                  <a:txBody>
+                    <a:bodyPr/>
+                    <a:lstStyle/>
+                    <a:p>
+                      <a:endParaRPr lang="en-SG"/>
+                    </a:p>
+                  </a:txBody>
+                  <a:tcPr/>
                 </a:tc>
                 <a:tc>
                   <a:txBody>
@@ -21338,7 +22116,7 @@
         <p:spPr>
           <a:xfrm>
             <a:off x="3722081" y="3710507"/>
-            <a:ext cx="2122415" cy="2123658"/>
+            <a:ext cx="2122415" cy="2492990"/>
           </a:xfrm>
           <a:prstGeom prst="rect">
             <a:avLst/>
@@ -21395,9 +22173,19 @@
                 <a:latin typeface="Segoe UI Semibold" panose="020B0702040204020203" pitchFamily="34" charset="0"/>
                 <a:cs typeface="Segoe UI Semibold" panose="020B0702040204020203" pitchFamily="34" charset="0"/>
               </a:rPr>
+              <a:t>Undo/Redo</a:t>
+            </a:r>
+          </a:p>
+          <a:p>
+            <a:pPr algn="ctr"/>
+            <a:r>
+              <a:rPr lang="en-SG" sz="2400" dirty="0" smtClean="0">
+                <a:latin typeface="Segoe UI Semibold" panose="020B0702040204020203" pitchFamily="34" charset="0"/>
+                <a:cs typeface="Segoe UI Semibold" panose="020B0702040204020203" pitchFamily="34" charset="0"/>
+              </a:rPr>
               <a:t>…</a:t>
             </a:r>
-            <a:endParaRPr lang="en-SG" sz="2400" dirty="0">
+            <a:endParaRPr lang="en-SG" sz="2400" dirty="0" smtClean="0">
               <a:latin typeface="Segoe UI Semibold" panose="020B0702040204020203" pitchFamily="34" charset="0"/>
               <a:cs typeface="Segoe UI Semibold" panose="020B0702040204020203" pitchFamily="34" charset="0"/>
             </a:endParaRPr>
@@ -23062,9 +23850,3164 @@
           </a:p>
         </p:txBody>
       </p:sp>
+      <p:sp>
+        <p:nvSpPr>
+          <p:cNvPr id="8" name="Rectangle 8"/>
+          <p:cNvSpPr/>
+          <p:nvPr/>
+        </p:nvSpPr>
+        <p:spPr>
+          <a:xfrm>
+            <a:off x="12362830" y="-1433015"/>
+            <a:ext cx="6853218" cy="10798781"/>
+          </a:xfrm>
+          <a:prstGeom prst="rect">
+            <a:avLst/>
+          </a:prstGeom>
+          <a:solidFill>
+            <a:srgbClr val="FEBC18"/>
+          </a:solidFill>
+        </p:spPr>
+        <p:style>
+          <a:lnRef idx="2">
+            <a:schemeClr val="accent1">
+              <a:shade val="50000"/>
+            </a:schemeClr>
+          </a:lnRef>
+          <a:fillRef idx="1">
+            <a:schemeClr val="accent1"/>
+          </a:fillRef>
+          <a:effectRef idx="0">
+            <a:schemeClr val="accent1"/>
+          </a:effectRef>
+          <a:fontRef idx="minor">
+            <a:schemeClr val="lt1"/>
+          </a:fontRef>
+        </p:style>
+        <p:txBody>
+          <a:bodyPr rtlCol="0" anchor="ctr"/>
+          <a:lstStyle/>
+          <a:p>
+            <a:pPr algn="ctr"/>
+            <a:endParaRPr lang="en-SG"/>
+          </a:p>
+        </p:txBody>
+      </p:sp>
+      <p:graphicFrame>
+        <p:nvGraphicFramePr>
+          <p:cNvPr id="7" name="Table 4"/>
+          <p:cNvGraphicFramePr>
+            <a:graphicFrameLocks noGrp="1"/>
+          </p:cNvGraphicFramePr>
+          <p:nvPr>
+            <p:extLst>
+              <p:ext uri="{D42A27DB-BD31-4B8C-83A1-F6EECF244321}">
+                <p14:modId xmlns:p14="http://schemas.microsoft.com/office/powerpoint/2010/main" val="2988528420"/>
+              </p:ext>
+            </p:extLst>
+          </p:nvPr>
+        </p:nvGraphicFramePr>
+        <p:xfrm>
+          <a:off x="13038128" y="-750278"/>
+          <a:ext cx="5805969" cy="9849744"/>
+        </p:xfrm>
+        <a:graphic>
+          <a:graphicData uri="http://schemas.openxmlformats.org/drawingml/2006/table">
+            <a:tbl>
+              <a:tblPr firstRow="1" firstCol="1" bandRow="1">
+                <a:tableStyleId>{5C22544A-7EE6-4342-B048-85BDC9FD1C3A}</a:tableStyleId>
+              </a:tblPr>
+              <a:tblGrid>
+                <a:gridCol w="1141690"/>
+                <a:gridCol w="612396"/>
+                <a:gridCol w="115721"/>
+                <a:gridCol w="161791"/>
+                <a:gridCol w="1324785"/>
+                <a:gridCol w="478286"/>
+                <a:gridCol w="1971300"/>
+              </a:tblGrid>
+              <a:tr h="120219">
+                <a:tc gridSpan="7">
+                  <a:txBody>
+                    <a:bodyPr/>
+                    <a:lstStyle/>
+                    <a:p>
+                      <a:pPr algn="ctr">
+                        <a:lnSpc>
+                          <a:spcPct val="107000"/>
+                        </a:lnSpc>
+                        <a:spcAft>
+                          <a:spcPts val="0"/>
+                        </a:spcAft>
+                      </a:pPr>
+                      <a:r>
+                        <a:rPr lang="en-US" sz="1600" b="0" dirty="0">
+                          <a:effectLst/>
+                        </a:rPr>
+                        <a:t>Adding of tasks</a:t>
+                      </a:r>
+                      <a:endParaRPr lang="en-SG" sz="1200" b="0" dirty="0">
+                        <a:effectLst/>
+                        <a:latin typeface="Calibri" panose="020F0502020204030204" pitchFamily="34" charset="0"/>
+                        <a:ea typeface="Calibri" panose="020F0502020204030204" pitchFamily="34" charset="0"/>
+                        <a:cs typeface="Times New Roman" panose="02020603050405020304" pitchFamily="18" charset="0"/>
+                      </a:endParaRPr>
+                    </a:p>
+                  </a:txBody>
+                  <a:tcPr marL="20434" marR="20434" marT="0" marB="0"/>
+                </a:tc>
+                <a:tc hMerge="1">
+                  <a:txBody>
+                    <a:bodyPr/>
+                    <a:lstStyle/>
+                    <a:p>
+                      <a:endParaRPr lang="en-SG"/>
+                    </a:p>
+                  </a:txBody>
+                  <a:tcPr/>
+                </a:tc>
+                <a:tc hMerge="1">
+                  <a:txBody>
+                    <a:bodyPr/>
+                    <a:lstStyle/>
+                    <a:p>
+                      <a:endParaRPr lang="en-SG"/>
+                    </a:p>
+                  </a:txBody>
+                  <a:tcPr/>
+                </a:tc>
+                <a:tc hMerge="1">
+                  <a:txBody>
+                    <a:bodyPr/>
+                    <a:lstStyle/>
+                    <a:p>
+                      <a:endParaRPr lang="en-SG"/>
+                    </a:p>
+                  </a:txBody>
+                  <a:tcPr/>
+                </a:tc>
+                <a:tc hMerge="1">
+                  <a:txBody>
+                    <a:bodyPr/>
+                    <a:lstStyle/>
+                    <a:p>
+                      <a:endParaRPr lang="en-SG"/>
+                    </a:p>
+                  </a:txBody>
+                  <a:tcPr/>
+                </a:tc>
+                <a:tc hMerge="1">
+                  <a:txBody>
+                    <a:bodyPr/>
+                    <a:lstStyle/>
+                    <a:p>
+                      <a:endParaRPr lang="en-SG"/>
+                    </a:p>
+                  </a:txBody>
+                  <a:tcPr/>
+                </a:tc>
+                <a:tc hMerge="1">
+                  <a:txBody>
+                    <a:bodyPr/>
+                    <a:lstStyle/>
+                    <a:p>
+                      <a:endParaRPr lang="en-SG"/>
+                    </a:p>
+                  </a:txBody>
+                  <a:tcPr/>
+                </a:tc>
+              </a:tr>
+              <a:tr h="240436">
+                <a:tc gridSpan="4">
+                  <a:txBody>
+                    <a:bodyPr/>
+                    <a:lstStyle/>
+                    <a:p>
+                      <a:pPr>
+                        <a:lnSpc>
+                          <a:spcPct val="107000"/>
+                        </a:lnSpc>
+                        <a:spcAft>
+                          <a:spcPts val="0"/>
+                        </a:spcAft>
+                      </a:pPr>
+                      <a:r>
+                        <a:rPr lang="en-US" sz="1600" b="0" dirty="0">
+                          <a:effectLst/>
+                        </a:rPr>
+                        <a:t>Add </a:t>
+                      </a:r>
+                      <a:r>
+                        <a:rPr lang="en-US" sz="1600" b="0" u="sng" dirty="0">
+                          <a:effectLst/>
+                        </a:rPr>
+                        <a:t>Task Name</a:t>
+                      </a:r>
+                      <a:endParaRPr lang="en-SG" sz="1200" b="0" dirty="0">
+                        <a:effectLst/>
+                        <a:latin typeface="Calibri" panose="020F0502020204030204" pitchFamily="34" charset="0"/>
+                        <a:ea typeface="Calibri" panose="020F0502020204030204" pitchFamily="34" charset="0"/>
+                        <a:cs typeface="Times New Roman" panose="02020603050405020304" pitchFamily="18" charset="0"/>
+                      </a:endParaRPr>
+                    </a:p>
+                  </a:txBody>
+                  <a:tcPr marL="20434" marR="20434" marT="0" marB="0"/>
+                </a:tc>
+                <a:tc hMerge="1">
+                  <a:txBody>
+                    <a:bodyPr/>
+                    <a:lstStyle/>
+                    <a:p>
+                      <a:endParaRPr lang="en-SG"/>
+                    </a:p>
+                  </a:txBody>
+                  <a:tcPr/>
+                </a:tc>
+                <a:tc hMerge="1">
+                  <a:txBody>
+                    <a:bodyPr/>
+                    <a:lstStyle/>
+                    <a:p>
+                      <a:endParaRPr lang="en-SG"/>
+                    </a:p>
+                  </a:txBody>
+                  <a:tcPr/>
+                </a:tc>
+                <a:tc hMerge="1">
+                  <a:txBody>
+                    <a:bodyPr/>
+                    <a:lstStyle/>
+                    <a:p>
+                      <a:endParaRPr lang="en-SG"/>
+                    </a:p>
+                  </a:txBody>
+                  <a:tcPr/>
+                </a:tc>
+                <a:tc gridSpan="2">
+                  <a:txBody>
+                    <a:bodyPr/>
+                    <a:lstStyle/>
+                    <a:p>
+                      <a:pPr>
+                        <a:lnSpc>
+                          <a:spcPct val="107000"/>
+                        </a:lnSpc>
+                        <a:spcAft>
+                          <a:spcPts val="0"/>
+                        </a:spcAft>
+                      </a:pPr>
+                      <a:r>
+                        <a:rPr lang="en-US" sz="1600" b="0" dirty="0">
+                          <a:effectLst/>
+                        </a:rPr>
+                        <a:t>Add a floating task</a:t>
+                      </a:r>
+                      <a:endParaRPr lang="en-SG" sz="1200" b="0" dirty="0">
+                        <a:effectLst/>
+                        <a:latin typeface="Calibri" panose="020F0502020204030204" pitchFamily="34" charset="0"/>
+                        <a:ea typeface="Calibri" panose="020F0502020204030204" pitchFamily="34" charset="0"/>
+                        <a:cs typeface="Times New Roman" panose="02020603050405020304" pitchFamily="18" charset="0"/>
+                      </a:endParaRPr>
+                    </a:p>
+                  </a:txBody>
+                  <a:tcPr marL="20434" marR="20434" marT="0" marB="0"/>
+                </a:tc>
+                <a:tc hMerge="1">
+                  <a:txBody>
+                    <a:bodyPr/>
+                    <a:lstStyle/>
+                    <a:p>
+                      <a:endParaRPr lang="en-SG"/>
+                    </a:p>
+                  </a:txBody>
+                  <a:tcPr/>
+                </a:tc>
+                <a:tc>
+                  <a:txBody>
+                    <a:bodyPr/>
+                    <a:lstStyle/>
+                    <a:p>
+                      <a:pPr>
+                        <a:lnSpc>
+                          <a:spcPct val="107000"/>
+                        </a:lnSpc>
+                        <a:spcAft>
+                          <a:spcPts val="0"/>
+                        </a:spcAft>
+                      </a:pPr>
+                      <a:r>
+                        <a:rPr lang="en-US" sz="1600" b="0">
+                          <a:effectLst/>
+                        </a:rPr>
+                        <a:t>Add </a:t>
+                      </a:r>
+                      <a:r>
+                        <a:rPr lang="en-US" sz="1600" b="0" u="sng">
+                          <a:effectLst/>
+                        </a:rPr>
+                        <a:t>groceries</a:t>
+                      </a:r>
+                      <a:endParaRPr lang="en-SG" sz="1200" b="0">
+                        <a:effectLst/>
+                        <a:latin typeface="Calibri" panose="020F0502020204030204" pitchFamily="34" charset="0"/>
+                        <a:ea typeface="Calibri" panose="020F0502020204030204" pitchFamily="34" charset="0"/>
+                        <a:cs typeface="Times New Roman" panose="02020603050405020304" pitchFamily="18" charset="0"/>
+                      </a:endParaRPr>
+                    </a:p>
+                  </a:txBody>
+                  <a:tcPr marL="20434" marR="20434" marT="0" marB="0"/>
+                </a:tc>
+              </a:tr>
+              <a:tr h="240436">
+                <a:tc gridSpan="4">
+                  <a:txBody>
+                    <a:bodyPr/>
+                    <a:lstStyle/>
+                    <a:p>
+                      <a:pPr>
+                        <a:lnSpc>
+                          <a:spcPct val="107000"/>
+                        </a:lnSpc>
+                        <a:spcAft>
+                          <a:spcPts val="0"/>
+                        </a:spcAft>
+                      </a:pPr>
+                      <a:r>
+                        <a:rPr lang="en-US" sz="1600" b="0" dirty="0">
+                          <a:effectLst/>
+                        </a:rPr>
+                        <a:t>Add </a:t>
+                      </a:r>
+                      <a:r>
+                        <a:rPr lang="en-US" sz="1600" b="0" u="sng" dirty="0">
+                          <a:effectLst/>
+                        </a:rPr>
+                        <a:t>Task Name</a:t>
+                      </a:r>
+                      <a:r>
+                        <a:rPr lang="en-US" sz="1600" b="0" dirty="0">
+                          <a:effectLst/>
+                        </a:rPr>
+                        <a:t> by </a:t>
+                      </a:r>
+                      <a:r>
+                        <a:rPr lang="en-US" sz="1600" b="0" u="sng" dirty="0">
+                          <a:effectLst/>
+                        </a:rPr>
+                        <a:t>Date</a:t>
+                      </a:r>
+                      <a:endParaRPr lang="en-SG" sz="1200" b="0" dirty="0">
+                        <a:effectLst/>
+                        <a:latin typeface="Calibri" panose="020F0502020204030204" pitchFamily="34" charset="0"/>
+                        <a:ea typeface="Calibri" panose="020F0502020204030204" pitchFamily="34" charset="0"/>
+                        <a:cs typeface="Times New Roman" panose="02020603050405020304" pitchFamily="18" charset="0"/>
+                      </a:endParaRPr>
+                    </a:p>
+                  </a:txBody>
+                  <a:tcPr marL="20434" marR="20434" marT="0" marB="0"/>
+                </a:tc>
+                <a:tc hMerge="1">
+                  <a:txBody>
+                    <a:bodyPr/>
+                    <a:lstStyle/>
+                    <a:p>
+                      <a:endParaRPr lang="en-SG"/>
+                    </a:p>
+                  </a:txBody>
+                  <a:tcPr/>
+                </a:tc>
+                <a:tc hMerge="1">
+                  <a:txBody>
+                    <a:bodyPr/>
+                    <a:lstStyle/>
+                    <a:p>
+                      <a:endParaRPr lang="en-SG"/>
+                    </a:p>
+                  </a:txBody>
+                  <a:tcPr/>
+                </a:tc>
+                <a:tc hMerge="1">
+                  <a:txBody>
+                    <a:bodyPr/>
+                    <a:lstStyle/>
+                    <a:p>
+                      <a:endParaRPr lang="en-SG"/>
+                    </a:p>
+                  </a:txBody>
+                  <a:tcPr/>
+                </a:tc>
+                <a:tc gridSpan="2">
+                  <a:txBody>
+                    <a:bodyPr/>
+                    <a:lstStyle/>
+                    <a:p>
+                      <a:pPr>
+                        <a:lnSpc>
+                          <a:spcPct val="107000"/>
+                        </a:lnSpc>
+                        <a:spcAft>
+                          <a:spcPts val="0"/>
+                        </a:spcAft>
+                      </a:pPr>
+                      <a:r>
+                        <a:rPr lang="en-US" sz="1600" b="0" dirty="0">
+                          <a:effectLst/>
+                        </a:rPr>
+                        <a:t>Add a deadline task</a:t>
+                      </a:r>
+                      <a:endParaRPr lang="en-SG" sz="1200" b="0" dirty="0">
+                        <a:effectLst/>
+                        <a:latin typeface="Calibri" panose="020F0502020204030204" pitchFamily="34" charset="0"/>
+                        <a:ea typeface="Calibri" panose="020F0502020204030204" pitchFamily="34" charset="0"/>
+                        <a:cs typeface="Times New Roman" panose="02020603050405020304" pitchFamily="18" charset="0"/>
+                      </a:endParaRPr>
+                    </a:p>
+                  </a:txBody>
+                  <a:tcPr marL="20434" marR="20434" marT="0" marB="0"/>
+                </a:tc>
+                <a:tc hMerge="1">
+                  <a:txBody>
+                    <a:bodyPr/>
+                    <a:lstStyle/>
+                    <a:p>
+                      <a:endParaRPr lang="en-SG"/>
+                    </a:p>
+                  </a:txBody>
+                  <a:tcPr/>
+                </a:tc>
+                <a:tc>
+                  <a:txBody>
+                    <a:bodyPr/>
+                    <a:lstStyle/>
+                    <a:p>
+                      <a:pPr>
+                        <a:lnSpc>
+                          <a:spcPct val="107000"/>
+                        </a:lnSpc>
+                        <a:spcAft>
+                          <a:spcPts val="0"/>
+                        </a:spcAft>
+                      </a:pPr>
+                      <a:r>
+                        <a:rPr lang="en-US" sz="1600" b="0" dirty="0">
+                          <a:effectLst/>
+                        </a:rPr>
+                        <a:t>Add </a:t>
+                      </a:r>
+                      <a:r>
+                        <a:rPr lang="en-US" sz="1600" b="0" u="sng" dirty="0">
+                          <a:effectLst/>
+                        </a:rPr>
+                        <a:t>groceries</a:t>
+                      </a:r>
+                      <a:r>
+                        <a:rPr lang="en-US" sz="1600" b="0" dirty="0">
+                          <a:effectLst/>
+                        </a:rPr>
+                        <a:t> by </a:t>
+                      </a:r>
+                      <a:r>
+                        <a:rPr lang="en-US" sz="1600" b="0" u="sng" dirty="0">
+                          <a:effectLst/>
+                        </a:rPr>
+                        <a:t>7pm</a:t>
+                      </a:r>
+                      <a:endParaRPr lang="en-SG" sz="1200" b="0" dirty="0">
+                        <a:effectLst/>
+                        <a:latin typeface="Calibri" panose="020F0502020204030204" pitchFamily="34" charset="0"/>
+                        <a:ea typeface="Calibri" panose="020F0502020204030204" pitchFamily="34" charset="0"/>
+                        <a:cs typeface="Times New Roman" panose="02020603050405020304" pitchFamily="18" charset="0"/>
+                      </a:endParaRPr>
+                    </a:p>
+                  </a:txBody>
+                  <a:tcPr marL="20434" marR="20434" marT="0" marB="0"/>
+                </a:tc>
+              </a:tr>
+              <a:tr h="360655">
+                <a:tc gridSpan="4">
+                  <a:txBody>
+                    <a:bodyPr/>
+                    <a:lstStyle/>
+                    <a:p>
+                      <a:pPr>
+                        <a:lnSpc>
+                          <a:spcPct val="107000"/>
+                        </a:lnSpc>
+                        <a:spcAft>
+                          <a:spcPts val="0"/>
+                        </a:spcAft>
+                      </a:pPr>
+                      <a:r>
+                        <a:rPr lang="en-US" sz="1600" b="0" dirty="0">
+                          <a:effectLst/>
+                        </a:rPr>
+                        <a:t>Add </a:t>
+                      </a:r>
+                      <a:r>
+                        <a:rPr lang="en-US" sz="1600" b="0" u="sng" dirty="0">
+                          <a:effectLst/>
+                        </a:rPr>
+                        <a:t>Task Name</a:t>
+                      </a:r>
+                      <a:r>
+                        <a:rPr lang="en-US" sz="1600" b="0" dirty="0">
+                          <a:effectLst/>
+                        </a:rPr>
+                        <a:t> from </a:t>
+                      </a:r>
+                      <a:r>
+                        <a:rPr lang="en-US" sz="1600" b="0" u="sng" dirty="0">
+                          <a:effectLst/>
+                        </a:rPr>
+                        <a:t>start</a:t>
+                      </a:r>
+                      <a:r>
+                        <a:rPr lang="en-US" sz="1600" b="0" dirty="0">
+                          <a:effectLst/>
+                        </a:rPr>
+                        <a:t> to </a:t>
+                      </a:r>
+                      <a:r>
+                        <a:rPr lang="en-US" sz="1600" b="0" u="sng" dirty="0">
+                          <a:effectLst/>
+                        </a:rPr>
+                        <a:t>end</a:t>
+                      </a:r>
+                      <a:endParaRPr lang="en-SG" sz="1200" b="0" dirty="0">
+                        <a:effectLst/>
+                        <a:latin typeface="Calibri" panose="020F0502020204030204" pitchFamily="34" charset="0"/>
+                        <a:ea typeface="Calibri" panose="020F0502020204030204" pitchFamily="34" charset="0"/>
+                        <a:cs typeface="Times New Roman" panose="02020603050405020304" pitchFamily="18" charset="0"/>
+                      </a:endParaRPr>
+                    </a:p>
+                  </a:txBody>
+                  <a:tcPr marL="20434" marR="20434" marT="0" marB="0"/>
+                </a:tc>
+                <a:tc hMerge="1">
+                  <a:txBody>
+                    <a:bodyPr/>
+                    <a:lstStyle/>
+                    <a:p>
+                      <a:endParaRPr lang="en-SG"/>
+                    </a:p>
+                  </a:txBody>
+                  <a:tcPr/>
+                </a:tc>
+                <a:tc hMerge="1">
+                  <a:txBody>
+                    <a:bodyPr/>
+                    <a:lstStyle/>
+                    <a:p>
+                      <a:endParaRPr lang="en-SG"/>
+                    </a:p>
+                  </a:txBody>
+                  <a:tcPr/>
+                </a:tc>
+                <a:tc hMerge="1">
+                  <a:txBody>
+                    <a:bodyPr/>
+                    <a:lstStyle/>
+                    <a:p>
+                      <a:endParaRPr lang="en-SG"/>
+                    </a:p>
+                  </a:txBody>
+                  <a:tcPr/>
+                </a:tc>
+                <a:tc gridSpan="2">
+                  <a:txBody>
+                    <a:bodyPr/>
+                    <a:lstStyle/>
+                    <a:p>
+                      <a:pPr>
+                        <a:lnSpc>
+                          <a:spcPct val="107000"/>
+                        </a:lnSpc>
+                        <a:spcAft>
+                          <a:spcPts val="0"/>
+                        </a:spcAft>
+                      </a:pPr>
+                      <a:r>
+                        <a:rPr lang="en-US" sz="1600" b="0" dirty="0">
+                          <a:effectLst/>
+                        </a:rPr>
+                        <a:t>Add a task with a specific start and end time</a:t>
+                      </a:r>
+                      <a:endParaRPr lang="en-SG" sz="1200" b="0" dirty="0">
+                        <a:effectLst/>
+                        <a:latin typeface="Calibri" panose="020F0502020204030204" pitchFamily="34" charset="0"/>
+                        <a:ea typeface="Calibri" panose="020F0502020204030204" pitchFamily="34" charset="0"/>
+                        <a:cs typeface="Times New Roman" panose="02020603050405020304" pitchFamily="18" charset="0"/>
+                      </a:endParaRPr>
+                    </a:p>
+                  </a:txBody>
+                  <a:tcPr marL="20434" marR="20434" marT="0" marB="0"/>
+                </a:tc>
+                <a:tc hMerge="1">
+                  <a:txBody>
+                    <a:bodyPr/>
+                    <a:lstStyle/>
+                    <a:p>
+                      <a:endParaRPr lang="en-SG"/>
+                    </a:p>
+                  </a:txBody>
+                  <a:tcPr/>
+                </a:tc>
+                <a:tc>
+                  <a:txBody>
+                    <a:bodyPr/>
+                    <a:lstStyle/>
+                    <a:p>
+                      <a:pPr>
+                        <a:lnSpc>
+                          <a:spcPct val="107000"/>
+                        </a:lnSpc>
+                        <a:spcAft>
+                          <a:spcPts val="0"/>
+                        </a:spcAft>
+                      </a:pPr>
+                      <a:r>
+                        <a:rPr lang="en-US" sz="1600" b="0" dirty="0">
+                          <a:effectLst/>
+                        </a:rPr>
+                        <a:t>Add </a:t>
+                      </a:r>
+                      <a:r>
+                        <a:rPr lang="en-US" sz="1600" b="0" u="sng" dirty="0">
+                          <a:effectLst/>
+                        </a:rPr>
+                        <a:t>groceries</a:t>
+                      </a:r>
+                      <a:r>
+                        <a:rPr lang="en-US" sz="1600" b="0" dirty="0">
+                          <a:effectLst/>
+                        </a:rPr>
+                        <a:t> from </a:t>
+                      </a:r>
+                      <a:r>
+                        <a:rPr lang="en-US" sz="1600" b="0" u="sng" dirty="0">
+                          <a:effectLst/>
+                        </a:rPr>
+                        <a:t>5pm</a:t>
+                      </a:r>
+                      <a:r>
+                        <a:rPr lang="en-US" sz="1600" b="0" dirty="0">
+                          <a:effectLst/>
+                        </a:rPr>
+                        <a:t> to </a:t>
+                      </a:r>
+                      <a:r>
+                        <a:rPr lang="en-US" sz="1600" b="0" u="sng" dirty="0">
+                          <a:effectLst/>
+                        </a:rPr>
+                        <a:t>7pm</a:t>
+                      </a:r>
+                      <a:endParaRPr lang="en-SG" sz="1200" b="0" dirty="0">
+                        <a:effectLst/>
+                        <a:latin typeface="Calibri" panose="020F0502020204030204" pitchFamily="34" charset="0"/>
+                        <a:ea typeface="Calibri" panose="020F0502020204030204" pitchFamily="34" charset="0"/>
+                        <a:cs typeface="Times New Roman" panose="02020603050405020304" pitchFamily="18" charset="0"/>
+                      </a:endParaRPr>
+                    </a:p>
+                  </a:txBody>
+                  <a:tcPr marL="20434" marR="20434" marT="0" marB="0"/>
+                </a:tc>
+              </a:tr>
+              <a:tr h="240436">
+                <a:tc gridSpan="4">
+                  <a:txBody>
+                    <a:bodyPr/>
+                    <a:lstStyle/>
+                    <a:p>
+                      <a:pPr>
+                        <a:lnSpc>
+                          <a:spcPct val="107000"/>
+                        </a:lnSpc>
+                        <a:spcAft>
+                          <a:spcPts val="0"/>
+                        </a:spcAft>
+                      </a:pPr>
+                      <a:r>
+                        <a:rPr lang="en-US" sz="1600" b="0">
+                          <a:effectLst/>
+                        </a:rPr>
+                        <a:t>Add </a:t>
+                      </a:r>
+                      <a:r>
+                        <a:rPr lang="en-US" sz="1600" b="0" u="sng">
+                          <a:effectLst/>
+                        </a:rPr>
+                        <a:t>Task Name</a:t>
+                      </a:r>
+                      <a:r>
+                        <a:rPr lang="en-US" sz="1600" b="0">
+                          <a:effectLst/>
+                        </a:rPr>
+                        <a:t>  </a:t>
+                      </a:r>
+                      <a:r>
+                        <a:rPr lang="en-US" sz="1600" b="0" u="sng">
+                          <a:effectLst/>
+                        </a:rPr>
+                        <a:t>#1</a:t>
+                      </a:r>
+                      <a:endParaRPr lang="en-SG" sz="1200" b="0">
+                        <a:effectLst/>
+                        <a:latin typeface="Calibri" panose="020F0502020204030204" pitchFamily="34" charset="0"/>
+                        <a:ea typeface="Calibri" panose="020F0502020204030204" pitchFamily="34" charset="0"/>
+                        <a:cs typeface="Times New Roman" panose="02020603050405020304" pitchFamily="18" charset="0"/>
+                      </a:endParaRPr>
+                    </a:p>
+                  </a:txBody>
+                  <a:tcPr marL="20434" marR="20434" marT="0" marB="0"/>
+                </a:tc>
+                <a:tc hMerge="1">
+                  <a:txBody>
+                    <a:bodyPr/>
+                    <a:lstStyle/>
+                    <a:p>
+                      <a:endParaRPr lang="en-SG"/>
+                    </a:p>
+                  </a:txBody>
+                  <a:tcPr/>
+                </a:tc>
+                <a:tc hMerge="1">
+                  <a:txBody>
+                    <a:bodyPr/>
+                    <a:lstStyle/>
+                    <a:p>
+                      <a:endParaRPr lang="en-SG"/>
+                    </a:p>
+                  </a:txBody>
+                  <a:tcPr/>
+                </a:tc>
+                <a:tc hMerge="1">
+                  <a:txBody>
+                    <a:bodyPr/>
+                    <a:lstStyle/>
+                    <a:p>
+                      <a:endParaRPr lang="en-SG"/>
+                    </a:p>
+                  </a:txBody>
+                  <a:tcPr/>
+                </a:tc>
+                <a:tc gridSpan="2">
+                  <a:txBody>
+                    <a:bodyPr/>
+                    <a:lstStyle/>
+                    <a:p>
+                      <a:pPr>
+                        <a:lnSpc>
+                          <a:spcPct val="107000"/>
+                        </a:lnSpc>
+                        <a:spcAft>
+                          <a:spcPts val="0"/>
+                        </a:spcAft>
+                      </a:pPr>
+                      <a:r>
+                        <a:rPr lang="en-US" sz="1600" b="0" dirty="0">
+                          <a:effectLst/>
+                        </a:rPr>
+                        <a:t>Add a task of priority 1</a:t>
+                      </a:r>
+                      <a:endParaRPr lang="en-SG" sz="1200" b="0" dirty="0">
+                        <a:effectLst/>
+                        <a:latin typeface="Calibri" panose="020F0502020204030204" pitchFamily="34" charset="0"/>
+                        <a:ea typeface="Calibri" panose="020F0502020204030204" pitchFamily="34" charset="0"/>
+                        <a:cs typeface="Times New Roman" panose="02020603050405020304" pitchFamily="18" charset="0"/>
+                      </a:endParaRPr>
+                    </a:p>
+                  </a:txBody>
+                  <a:tcPr marL="20434" marR="20434" marT="0" marB="0"/>
+                </a:tc>
+                <a:tc hMerge="1">
+                  <a:txBody>
+                    <a:bodyPr/>
+                    <a:lstStyle/>
+                    <a:p>
+                      <a:endParaRPr lang="en-SG"/>
+                    </a:p>
+                  </a:txBody>
+                  <a:tcPr/>
+                </a:tc>
+                <a:tc>
+                  <a:txBody>
+                    <a:bodyPr/>
+                    <a:lstStyle/>
+                    <a:p>
+                      <a:pPr>
+                        <a:lnSpc>
+                          <a:spcPct val="107000"/>
+                        </a:lnSpc>
+                        <a:spcAft>
+                          <a:spcPts val="0"/>
+                        </a:spcAft>
+                      </a:pPr>
+                      <a:r>
+                        <a:rPr lang="en-US" sz="1600" b="0" dirty="0">
+                          <a:effectLst/>
+                        </a:rPr>
+                        <a:t>Add </a:t>
+                      </a:r>
+                      <a:r>
+                        <a:rPr lang="en-US" sz="1600" b="0" u="sng" dirty="0">
+                          <a:effectLst/>
+                        </a:rPr>
+                        <a:t>groceries</a:t>
+                      </a:r>
+                      <a:r>
+                        <a:rPr lang="en-US" sz="1600" b="0" dirty="0">
+                          <a:effectLst/>
+                        </a:rPr>
+                        <a:t>  </a:t>
+                      </a:r>
+                      <a:r>
+                        <a:rPr lang="en-US" sz="1600" b="0" u="sng" dirty="0">
+                          <a:effectLst/>
+                        </a:rPr>
+                        <a:t>#1</a:t>
+                      </a:r>
+                      <a:endParaRPr lang="en-SG" sz="1200" b="0" dirty="0">
+                        <a:effectLst/>
+                        <a:latin typeface="Calibri" panose="020F0502020204030204" pitchFamily="34" charset="0"/>
+                        <a:ea typeface="Calibri" panose="020F0502020204030204" pitchFamily="34" charset="0"/>
+                        <a:cs typeface="Times New Roman" panose="02020603050405020304" pitchFamily="18" charset="0"/>
+                      </a:endParaRPr>
+                    </a:p>
+                  </a:txBody>
+                  <a:tcPr marL="20434" marR="20434" marT="0" marB="0"/>
+                </a:tc>
+              </a:tr>
+              <a:tr h="120219">
+                <a:tc gridSpan="7">
+                  <a:txBody>
+                    <a:bodyPr/>
+                    <a:lstStyle/>
+                    <a:p>
+                      <a:pPr algn="ctr">
+                        <a:lnSpc>
+                          <a:spcPct val="107000"/>
+                        </a:lnSpc>
+                        <a:spcAft>
+                          <a:spcPts val="0"/>
+                        </a:spcAft>
+                      </a:pPr>
+                      <a:r>
+                        <a:rPr lang="en-SG" sz="1400" b="0" dirty="0" smtClean="0">
+                          <a:effectLst/>
+                          <a:latin typeface="Berlin Sans FB" panose="020E0602020502020306" pitchFamily="34" charset="0"/>
+                          <a:ea typeface="Calibri" panose="020F0502020204030204" pitchFamily="34" charset="0"/>
+                          <a:cs typeface="Times New Roman" panose="02020603050405020304" pitchFamily="18" charset="0"/>
+                        </a:rPr>
+                        <a:t>If TaskBomber mistaken your task name</a:t>
+                      </a:r>
+                      <a:r>
+                        <a:rPr lang="en-SG" sz="1400" b="0" baseline="0" dirty="0" smtClean="0">
+                          <a:effectLst/>
+                          <a:latin typeface="Berlin Sans FB" panose="020E0602020502020306" pitchFamily="34" charset="0"/>
+                          <a:ea typeface="Calibri" panose="020F0502020204030204" pitchFamily="34" charset="0"/>
+                          <a:cs typeface="Times New Roman" panose="02020603050405020304" pitchFamily="18" charset="0"/>
+                        </a:rPr>
+                        <a:t> for a command </a:t>
+                      </a:r>
+                      <a:r>
+                        <a:rPr lang="en-SG" sz="1400" b="0" baseline="0" dirty="0" err="1" smtClean="0">
+                          <a:effectLst/>
+                          <a:latin typeface="Berlin Sans FB" panose="020E0602020502020306" pitchFamily="34" charset="0"/>
+                          <a:ea typeface="Calibri" panose="020F0502020204030204" pitchFamily="34" charset="0"/>
+                          <a:cs typeface="Times New Roman" panose="02020603050405020304" pitchFamily="18" charset="0"/>
+                        </a:rPr>
+                        <a:t>etc</a:t>
+                      </a:r>
+                      <a:r>
+                        <a:rPr lang="en-SG" sz="1400" b="0" baseline="0" dirty="0" smtClean="0">
+                          <a:effectLst/>
+                          <a:latin typeface="Berlin Sans FB" panose="020E0602020502020306" pitchFamily="34" charset="0"/>
+                          <a:ea typeface="Calibri" panose="020F0502020204030204" pitchFamily="34" charset="0"/>
+                          <a:cs typeface="Times New Roman" panose="02020603050405020304" pitchFamily="18" charset="0"/>
+                        </a:rPr>
+                        <a:t>, use “ “ </a:t>
+                      </a:r>
+                      <a:br>
+                        <a:rPr lang="en-SG" sz="1400" b="0" baseline="0" dirty="0" smtClean="0">
+                          <a:effectLst/>
+                          <a:latin typeface="Berlin Sans FB" panose="020E0602020502020306" pitchFamily="34" charset="0"/>
+                          <a:ea typeface="Calibri" panose="020F0502020204030204" pitchFamily="34" charset="0"/>
+                          <a:cs typeface="Times New Roman" panose="02020603050405020304" pitchFamily="18" charset="0"/>
+                        </a:rPr>
+                      </a:br>
+                      <a:r>
+                        <a:rPr lang="en-SG" sz="1400" b="0" baseline="0" dirty="0" smtClean="0">
+                          <a:effectLst/>
+                          <a:latin typeface="Berlin Sans FB" panose="020E0602020502020306" pitchFamily="34" charset="0"/>
+                          <a:ea typeface="Calibri" panose="020F0502020204030204" pitchFamily="34" charset="0"/>
+                          <a:cs typeface="Times New Roman" panose="02020603050405020304" pitchFamily="18" charset="0"/>
+                        </a:rPr>
+                        <a:t> E.g. Watch “tomorrow” The Movie</a:t>
+                      </a:r>
+                      <a:endParaRPr lang="en-SG" sz="1400" b="0" u="sng" dirty="0">
+                        <a:effectLst/>
+                        <a:latin typeface="Berlin Sans FB" panose="020E0602020502020306" pitchFamily="34" charset="0"/>
+                        <a:ea typeface="Calibri" panose="020F0502020204030204" pitchFamily="34" charset="0"/>
+                        <a:cs typeface="Times New Roman" panose="02020603050405020304" pitchFamily="18" charset="0"/>
+                      </a:endParaRPr>
+                    </a:p>
+                  </a:txBody>
+                  <a:tcPr marL="20434" marR="20434" marT="0" marB="0"/>
+                </a:tc>
+                <a:tc hMerge="1">
+                  <a:txBody>
+                    <a:bodyPr/>
+                    <a:lstStyle/>
+                    <a:p>
+                      <a:endParaRPr lang="en-SG"/>
+                    </a:p>
+                  </a:txBody>
+                  <a:tcPr/>
+                </a:tc>
+                <a:tc hMerge="1">
+                  <a:txBody>
+                    <a:bodyPr/>
+                    <a:lstStyle/>
+                    <a:p>
+                      <a:endParaRPr lang="en-SG"/>
+                    </a:p>
+                  </a:txBody>
+                  <a:tcPr/>
+                </a:tc>
+                <a:tc hMerge="1">
+                  <a:txBody>
+                    <a:bodyPr/>
+                    <a:lstStyle/>
+                    <a:p>
+                      <a:endParaRPr lang="en-SG"/>
+                    </a:p>
+                  </a:txBody>
+                  <a:tcPr/>
+                </a:tc>
+                <a:tc hMerge="1">
+                  <a:txBody>
+                    <a:bodyPr/>
+                    <a:lstStyle/>
+                    <a:p>
+                      <a:endParaRPr lang="en-SG"/>
+                    </a:p>
+                  </a:txBody>
+                  <a:tcPr/>
+                </a:tc>
+                <a:tc hMerge="1">
+                  <a:txBody>
+                    <a:bodyPr/>
+                    <a:lstStyle/>
+                    <a:p>
+                      <a:endParaRPr lang="en-SG"/>
+                    </a:p>
+                  </a:txBody>
+                  <a:tcPr/>
+                </a:tc>
+                <a:tc hMerge="1">
+                  <a:txBody>
+                    <a:bodyPr/>
+                    <a:lstStyle/>
+                    <a:p>
+                      <a:endParaRPr lang="en-SG"/>
+                    </a:p>
+                  </a:txBody>
+                  <a:tcPr/>
+                </a:tc>
+              </a:tr>
+              <a:tr h="120219">
+                <a:tc gridSpan="7">
+                  <a:txBody>
+                    <a:bodyPr/>
+                    <a:lstStyle/>
+                    <a:p>
+                      <a:pPr algn="ctr">
+                        <a:lnSpc>
+                          <a:spcPct val="107000"/>
+                        </a:lnSpc>
+                        <a:spcAft>
+                          <a:spcPts val="0"/>
+                        </a:spcAft>
+                      </a:pPr>
+                      <a:r>
+                        <a:rPr lang="en-US" sz="1600" b="0" dirty="0">
+                          <a:effectLst/>
+                        </a:rPr>
+                        <a:t>Deleting specific task</a:t>
+                      </a:r>
+                      <a:endParaRPr lang="en-SG" sz="1200" b="0" dirty="0">
+                        <a:effectLst/>
+                        <a:latin typeface="Calibri" panose="020F0502020204030204" pitchFamily="34" charset="0"/>
+                        <a:ea typeface="Calibri" panose="020F0502020204030204" pitchFamily="34" charset="0"/>
+                        <a:cs typeface="Times New Roman" panose="02020603050405020304" pitchFamily="18" charset="0"/>
+                      </a:endParaRPr>
+                    </a:p>
+                  </a:txBody>
+                  <a:tcPr marL="20434" marR="20434" marT="0" marB="0"/>
+                </a:tc>
+                <a:tc hMerge="1">
+                  <a:txBody>
+                    <a:bodyPr/>
+                    <a:lstStyle/>
+                    <a:p>
+                      <a:endParaRPr lang="en-SG"/>
+                    </a:p>
+                  </a:txBody>
+                  <a:tcPr/>
+                </a:tc>
+                <a:tc hMerge="1">
+                  <a:txBody>
+                    <a:bodyPr/>
+                    <a:lstStyle/>
+                    <a:p>
+                      <a:endParaRPr lang="en-SG"/>
+                    </a:p>
+                  </a:txBody>
+                  <a:tcPr/>
+                </a:tc>
+                <a:tc hMerge="1">
+                  <a:txBody>
+                    <a:bodyPr/>
+                    <a:lstStyle/>
+                    <a:p>
+                      <a:endParaRPr lang="en-SG"/>
+                    </a:p>
+                  </a:txBody>
+                  <a:tcPr/>
+                </a:tc>
+                <a:tc hMerge="1">
+                  <a:txBody>
+                    <a:bodyPr/>
+                    <a:lstStyle/>
+                    <a:p>
+                      <a:endParaRPr lang="en-SG"/>
+                    </a:p>
+                  </a:txBody>
+                  <a:tcPr/>
+                </a:tc>
+                <a:tc hMerge="1">
+                  <a:txBody>
+                    <a:bodyPr/>
+                    <a:lstStyle/>
+                    <a:p>
+                      <a:endParaRPr lang="en-SG"/>
+                    </a:p>
+                  </a:txBody>
+                  <a:tcPr/>
+                </a:tc>
+                <a:tc hMerge="1">
+                  <a:txBody>
+                    <a:bodyPr/>
+                    <a:lstStyle/>
+                    <a:p>
+                      <a:endParaRPr lang="en-SG"/>
+                    </a:p>
+                  </a:txBody>
+                  <a:tcPr/>
+                </a:tc>
+              </a:tr>
+              <a:tr h="360655">
+                <a:tc gridSpan="4">
+                  <a:txBody>
+                    <a:bodyPr/>
+                    <a:lstStyle/>
+                    <a:p>
+                      <a:pPr>
+                        <a:lnSpc>
+                          <a:spcPct val="107000"/>
+                        </a:lnSpc>
+                        <a:spcAft>
+                          <a:spcPts val="0"/>
+                        </a:spcAft>
+                      </a:pPr>
+                      <a:r>
+                        <a:rPr lang="en-US" sz="1600" b="0" dirty="0">
+                          <a:effectLst/>
+                        </a:rPr>
+                        <a:t>Delete </a:t>
+                      </a:r>
+                      <a:r>
+                        <a:rPr lang="en-US" sz="1600" b="0" u="sng" dirty="0">
+                          <a:effectLst/>
+                        </a:rPr>
+                        <a:t>index</a:t>
+                      </a:r>
+                      <a:endParaRPr lang="en-SG" sz="1200" b="0" dirty="0">
+                        <a:effectLst/>
+                        <a:latin typeface="Calibri" panose="020F0502020204030204" pitchFamily="34" charset="0"/>
+                        <a:ea typeface="Calibri" panose="020F0502020204030204" pitchFamily="34" charset="0"/>
+                        <a:cs typeface="Times New Roman" panose="02020603050405020304" pitchFamily="18" charset="0"/>
+                      </a:endParaRPr>
+                    </a:p>
+                  </a:txBody>
+                  <a:tcPr marL="20434" marR="20434" marT="0" marB="0"/>
+                </a:tc>
+                <a:tc hMerge="1">
+                  <a:txBody>
+                    <a:bodyPr/>
+                    <a:lstStyle/>
+                    <a:p>
+                      <a:endParaRPr lang="en-SG"/>
+                    </a:p>
+                  </a:txBody>
+                  <a:tcPr/>
+                </a:tc>
+                <a:tc hMerge="1">
+                  <a:txBody>
+                    <a:bodyPr/>
+                    <a:lstStyle/>
+                    <a:p>
+                      <a:endParaRPr lang="en-SG"/>
+                    </a:p>
+                  </a:txBody>
+                  <a:tcPr/>
+                </a:tc>
+                <a:tc hMerge="1">
+                  <a:txBody>
+                    <a:bodyPr/>
+                    <a:lstStyle/>
+                    <a:p>
+                      <a:endParaRPr lang="en-SG"/>
+                    </a:p>
+                  </a:txBody>
+                  <a:tcPr/>
+                </a:tc>
+                <a:tc gridSpan="2">
+                  <a:txBody>
+                    <a:bodyPr/>
+                    <a:lstStyle/>
+                    <a:p>
+                      <a:pPr>
+                        <a:lnSpc>
+                          <a:spcPct val="107000"/>
+                        </a:lnSpc>
+                        <a:spcAft>
+                          <a:spcPts val="0"/>
+                        </a:spcAft>
+                      </a:pPr>
+                      <a:r>
+                        <a:rPr lang="en-US" sz="1600" b="0">
+                          <a:effectLst/>
+                        </a:rPr>
+                        <a:t>Delete the task of the given index</a:t>
+                      </a:r>
+                      <a:endParaRPr lang="en-SG" sz="1200" b="0">
+                        <a:effectLst/>
+                        <a:latin typeface="Calibri" panose="020F0502020204030204" pitchFamily="34" charset="0"/>
+                        <a:ea typeface="Calibri" panose="020F0502020204030204" pitchFamily="34" charset="0"/>
+                        <a:cs typeface="Times New Roman" panose="02020603050405020304" pitchFamily="18" charset="0"/>
+                      </a:endParaRPr>
+                    </a:p>
+                  </a:txBody>
+                  <a:tcPr marL="20434" marR="20434" marT="0" marB="0"/>
+                </a:tc>
+                <a:tc hMerge="1">
+                  <a:txBody>
+                    <a:bodyPr/>
+                    <a:lstStyle/>
+                    <a:p>
+                      <a:endParaRPr lang="en-SG"/>
+                    </a:p>
+                  </a:txBody>
+                  <a:tcPr/>
+                </a:tc>
+                <a:tc>
+                  <a:txBody>
+                    <a:bodyPr/>
+                    <a:lstStyle/>
+                    <a:p>
+                      <a:pPr>
+                        <a:lnSpc>
+                          <a:spcPct val="107000"/>
+                        </a:lnSpc>
+                        <a:spcAft>
+                          <a:spcPts val="0"/>
+                        </a:spcAft>
+                      </a:pPr>
+                      <a:r>
+                        <a:rPr lang="en-US" sz="1600" b="0">
+                          <a:effectLst/>
+                        </a:rPr>
+                        <a:t>Delete 1</a:t>
+                      </a:r>
+                      <a:endParaRPr lang="en-SG" sz="1200" b="0">
+                        <a:effectLst/>
+                        <a:latin typeface="Calibri" panose="020F0502020204030204" pitchFamily="34" charset="0"/>
+                        <a:ea typeface="Calibri" panose="020F0502020204030204" pitchFamily="34" charset="0"/>
+                        <a:cs typeface="Times New Roman" panose="02020603050405020304" pitchFamily="18" charset="0"/>
+                      </a:endParaRPr>
+                    </a:p>
+                  </a:txBody>
+                  <a:tcPr marL="20434" marR="20434" marT="0" marB="0"/>
+                </a:tc>
+              </a:tr>
+              <a:tr h="360655">
+                <a:tc gridSpan="4">
+                  <a:txBody>
+                    <a:bodyPr/>
+                    <a:lstStyle/>
+                    <a:p>
+                      <a:pPr>
+                        <a:lnSpc>
+                          <a:spcPct val="107000"/>
+                        </a:lnSpc>
+                        <a:spcAft>
+                          <a:spcPts val="0"/>
+                        </a:spcAft>
+                      </a:pPr>
+                      <a:r>
+                        <a:rPr lang="en-US" sz="1600" b="0" dirty="0">
+                          <a:effectLst/>
+                        </a:rPr>
+                        <a:t>Delete </a:t>
+                      </a:r>
+                      <a:r>
+                        <a:rPr lang="en-US" sz="1600" b="0" u="sng" dirty="0">
+                          <a:effectLst/>
+                        </a:rPr>
+                        <a:t>task keyword</a:t>
+                      </a:r>
+                      <a:endParaRPr lang="en-SG" sz="1200" b="0" dirty="0">
+                        <a:effectLst/>
+                        <a:latin typeface="Calibri" panose="020F0502020204030204" pitchFamily="34" charset="0"/>
+                        <a:ea typeface="Calibri" panose="020F0502020204030204" pitchFamily="34" charset="0"/>
+                        <a:cs typeface="Times New Roman" panose="02020603050405020304" pitchFamily="18" charset="0"/>
+                      </a:endParaRPr>
+                    </a:p>
+                  </a:txBody>
+                  <a:tcPr marL="20434" marR="20434" marT="0" marB="0"/>
+                </a:tc>
+                <a:tc hMerge="1">
+                  <a:txBody>
+                    <a:bodyPr/>
+                    <a:lstStyle/>
+                    <a:p>
+                      <a:endParaRPr lang="en-SG"/>
+                    </a:p>
+                  </a:txBody>
+                  <a:tcPr/>
+                </a:tc>
+                <a:tc hMerge="1">
+                  <a:txBody>
+                    <a:bodyPr/>
+                    <a:lstStyle/>
+                    <a:p>
+                      <a:endParaRPr lang="en-SG"/>
+                    </a:p>
+                  </a:txBody>
+                  <a:tcPr/>
+                </a:tc>
+                <a:tc hMerge="1">
+                  <a:txBody>
+                    <a:bodyPr/>
+                    <a:lstStyle/>
+                    <a:p>
+                      <a:endParaRPr lang="en-SG"/>
+                    </a:p>
+                  </a:txBody>
+                  <a:tcPr/>
+                </a:tc>
+                <a:tc gridSpan="2">
+                  <a:txBody>
+                    <a:bodyPr/>
+                    <a:lstStyle/>
+                    <a:p>
+                      <a:pPr>
+                        <a:lnSpc>
+                          <a:spcPct val="107000"/>
+                        </a:lnSpc>
+                        <a:spcAft>
+                          <a:spcPts val="0"/>
+                        </a:spcAft>
+                      </a:pPr>
+                      <a:r>
+                        <a:rPr lang="en-US" sz="1600" b="0" dirty="0">
+                          <a:effectLst/>
+                        </a:rPr>
+                        <a:t>Delete </a:t>
+                      </a:r>
+                      <a:r>
+                        <a:rPr lang="en-US" sz="1600" b="0" dirty="0" smtClean="0">
+                          <a:effectLst/>
+                        </a:rPr>
+                        <a:t>first task </a:t>
+                      </a:r>
+                      <a:r>
+                        <a:rPr lang="en-US" sz="1600" b="0" dirty="0">
+                          <a:effectLst/>
+                        </a:rPr>
+                        <a:t>with the given keyword</a:t>
+                      </a:r>
+                      <a:endParaRPr lang="en-SG" sz="1200" b="0" dirty="0">
+                        <a:effectLst/>
+                        <a:latin typeface="Calibri" panose="020F0502020204030204" pitchFamily="34" charset="0"/>
+                        <a:ea typeface="Calibri" panose="020F0502020204030204" pitchFamily="34" charset="0"/>
+                        <a:cs typeface="Times New Roman" panose="02020603050405020304" pitchFamily="18" charset="0"/>
+                      </a:endParaRPr>
+                    </a:p>
+                  </a:txBody>
+                  <a:tcPr marL="20434" marR="20434" marT="0" marB="0"/>
+                </a:tc>
+                <a:tc hMerge="1">
+                  <a:txBody>
+                    <a:bodyPr/>
+                    <a:lstStyle/>
+                    <a:p>
+                      <a:endParaRPr lang="en-SG"/>
+                    </a:p>
+                  </a:txBody>
+                  <a:tcPr/>
+                </a:tc>
+                <a:tc>
+                  <a:txBody>
+                    <a:bodyPr/>
+                    <a:lstStyle/>
+                    <a:p>
+                      <a:pPr>
+                        <a:lnSpc>
+                          <a:spcPct val="107000"/>
+                        </a:lnSpc>
+                        <a:spcAft>
+                          <a:spcPts val="0"/>
+                        </a:spcAft>
+                      </a:pPr>
+                      <a:r>
+                        <a:rPr lang="en-US" sz="1600" b="0" dirty="0">
+                          <a:effectLst/>
+                        </a:rPr>
+                        <a:t>Delete shopping</a:t>
+                      </a:r>
+                      <a:endParaRPr lang="en-SG" sz="1200" b="0" dirty="0">
+                        <a:effectLst/>
+                        <a:latin typeface="Calibri" panose="020F0502020204030204" pitchFamily="34" charset="0"/>
+                        <a:ea typeface="Calibri" panose="020F0502020204030204" pitchFamily="34" charset="0"/>
+                        <a:cs typeface="Times New Roman" panose="02020603050405020304" pitchFamily="18" charset="0"/>
+                      </a:endParaRPr>
+                    </a:p>
+                  </a:txBody>
+                  <a:tcPr marL="20434" marR="20434" marT="0" marB="0"/>
+                </a:tc>
+              </a:tr>
+              <a:tr h="120219">
+                <a:tc gridSpan="7">
+                  <a:txBody>
+                    <a:bodyPr/>
+                    <a:lstStyle/>
+                    <a:p>
+                      <a:pPr algn="ctr">
+                        <a:lnSpc>
+                          <a:spcPct val="107000"/>
+                        </a:lnSpc>
+                        <a:spcAft>
+                          <a:spcPts val="0"/>
+                        </a:spcAft>
+                      </a:pPr>
+                      <a:r>
+                        <a:rPr lang="en-US" sz="1600" b="0" dirty="0">
+                          <a:effectLst/>
+                        </a:rPr>
+                        <a:t>Editing of task detail</a:t>
+                      </a:r>
+                      <a:endParaRPr lang="en-SG" sz="1200" b="0" dirty="0">
+                        <a:effectLst/>
+                        <a:latin typeface="Calibri" panose="020F0502020204030204" pitchFamily="34" charset="0"/>
+                        <a:ea typeface="Calibri" panose="020F0502020204030204" pitchFamily="34" charset="0"/>
+                        <a:cs typeface="Times New Roman" panose="02020603050405020304" pitchFamily="18" charset="0"/>
+                      </a:endParaRPr>
+                    </a:p>
+                  </a:txBody>
+                  <a:tcPr marL="20434" marR="20434" marT="0" marB="0"/>
+                </a:tc>
+                <a:tc hMerge="1">
+                  <a:txBody>
+                    <a:bodyPr/>
+                    <a:lstStyle/>
+                    <a:p>
+                      <a:endParaRPr lang="en-SG"/>
+                    </a:p>
+                  </a:txBody>
+                  <a:tcPr/>
+                </a:tc>
+                <a:tc hMerge="1">
+                  <a:txBody>
+                    <a:bodyPr/>
+                    <a:lstStyle/>
+                    <a:p>
+                      <a:endParaRPr lang="en-SG"/>
+                    </a:p>
+                  </a:txBody>
+                  <a:tcPr/>
+                </a:tc>
+                <a:tc hMerge="1">
+                  <a:txBody>
+                    <a:bodyPr/>
+                    <a:lstStyle/>
+                    <a:p>
+                      <a:endParaRPr lang="en-SG"/>
+                    </a:p>
+                  </a:txBody>
+                  <a:tcPr/>
+                </a:tc>
+                <a:tc hMerge="1">
+                  <a:txBody>
+                    <a:bodyPr/>
+                    <a:lstStyle/>
+                    <a:p>
+                      <a:endParaRPr lang="en-SG"/>
+                    </a:p>
+                  </a:txBody>
+                  <a:tcPr/>
+                </a:tc>
+                <a:tc hMerge="1">
+                  <a:txBody>
+                    <a:bodyPr/>
+                    <a:lstStyle/>
+                    <a:p>
+                      <a:endParaRPr lang="en-SG"/>
+                    </a:p>
+                  </a:txBody>
+                  <a:tcPr/>
+                </a:tc>
+                <a:tc hMerge="1">
+                  <a:txBody>
+                    <a:bodyPr/>
+                    <a:lstStyle/>
+                    <a:p>
+                      <a:endParaRPr lang="en-SG"/>
+                    </a:p>
+                  </a:txBody>
+                  <a:tcPr/>
+                </a:tc>
+              </a:tr>
+              <a:tr h="240436">
+                <a:tc gridSpan="2">
+                  <a:txBody>
+                    <a:bodyPr/>
+                    <a:lstStyle/>
+                    <a:p>
+                      <a:pPr>
+                        <a:lnSpc>
+                          <a:spcPct val="107000"/>
+                        </a:lnSpc>
+                        <a:spcAft>
+                          <a:spcPts val="0"/>
+                        </a:spcAft>
+                      </a:pPr>
+                      <a:r>
+                        <a:rPr lang="en-US" sz="1600" b="0" dirty="0">
+                          <a:effectLst/>
+                        </a:rPr>
+                        <a:t>Edit </a:t>
+                      </a:r>
+                      <a:r>
+                        <a:rPr lang="en-US" sz="1600" b="0" u="sng" dirty="0" smtClean="0">
+                          <a:effectLst/>
+                        </a:rPr>
+                        <a:t>`Task </a:t>
+                      </a:r>
+                      <a:r>
+                        <a:rPr lang="en-US" sz="1600" b="0" u="sng" dirty="0">
+                          <a:effectLst/>
+                        </a:rPr>
+                        <a:t>Name</a:t>
+                      </a:r>
+                      <a:r>
+                        <a:rPr lang="en-US" sz="1600" b="0" dirty="0">
+                          <a:effectLst/>
+                        </a:rPr>
+                        <a:t>  </a:t>
+                      </a:r>
+                      <a:r>
+                        <a:rPr lang="en-US" sz="1600" b="0" u="sng" dirty="0" smtClean="0">
+                          <a:effectLst/>
+                        </a:rPr>
+                        <a:t>`#</a:t>
+                      </a:r>
+                      <a:r>
+                        <a:rPr lang="en-US" sz="1600" b="0" dirty="0" smtClean="0">
+                          <a:effectLst/>
+                        </a:rPr>
+                        <a:t> </a:t>
+                      </a:r>
+                      <a:r>
+                        <a:rPr lang="en-US" sz="1600" b="0" u="sng" dirty="0" smtClean="0">
+                          <a:effectLst/>
+                        </a:rPr>
+                        <a:t> `new</a:t>
+                      </a:r>
+                      <a:r>
+                        <a:rPr lang="en-US" sz="1600" b="0" dirty="0" smtClean="0">
+                          <a:effectLst/>
+                        </a:rPr>
+                        <a:t> </a:t>
+                      </a:r>
+                      <a:r>
+                        <a:rPr lang="en-US" sz="1600" b="0" u="sng" dirty="0" smtClean="0">
+                          <a:effectLst/>
+                        </a:rPr>
+                        <a:t> </a:t>
+                      </a:r>
+                      <a:r>
+                        <a:rPr lang="en-US" sz="1600" b="0" u="sng" dirty="0">
+                          <a:effectLst/>
+                        </a:rPr>
+                        <a:t>Detail</a:t>
+                      </a:r>
+                      <a:endParaRPr lang="en-SG" sz="1200" b="0" dirty="0">
+                        <a:effectLst/>
+                        <a:latin typeface="Calibri" panose="020F0502020204030204" pitchFamily="34" charset="0"/>
+                        <a:ea typeface="Calibri" panose="020F0502020204030204" pitchFamily="34" charset="0"/>
+                        <a:cs typeface="Times New Roman" panose="02020603050405020304" pitchFamily="18" charset="0"/>
+                      </a:endParaRPr>
+                    </a:p>
+                  </a:txBody>
+                  <a:tcPr marL="20434" marR="20434" marT="0" marB="0"/>
+                </a:tc>
+                <a:tc hMerge="1">
+                  <a:txBody>
+                    <a:bodyPr/>
+                    <a:lstStyle/>
+                    <a:p>
+                      <a:endParaRPr lang="en-SG"/>
+                    </a:p>
+                  </a:txBody>
+                  <a:tcPr/>
+                </a:tc>
+                <a:tc gridSpan="4">
+                  <a:txBody>
+                    <a:bodyPr/>
+                    <a:lstStyle/>
+                    <a:p>
+                      <a:pPr>
+                        <a:lnSpc>
+                          <a:spcPct val="107000"/>
+                        </a:lnSpc>
+                        <a:spcAft>
+                          <a:spcPts val="0"/>
+                        </a:spcAft>
+                      </a:pPr>
+                      <a:r>
+                        <a:rPr lang="en-US" sz="1600" b="0" dirty="0">
+                          <a:effectLst/>
+                        </a:rPr>
+                        <a:t>Change the priority of task</a:t>
+                      </a:r>
+                      <a:endParaRPr lang="en-SG" sz="1200" b="0" dirty="0">
+                        <a:effectLst/>
+                        <a:latin typeface="Calibri" panose="020F0502020204030204" pitchFamily="34" charset="0"/>
+                        <a:ea typeface="Calibri" panose="020F0502020204030204" pitchFamily="34" charset="0"/>
+                        <a:cs typeface="Times New Roman" panose="02020603050405020304" pitchFamily="18" charset="0"/>
+                      </a:endParaRPr>
+                    </a:p>
+                  </a:txBody>
+                  <a:tcPr marL="20434" marR="20434" marT="0" marB="0"/>
+                </a:tc>
+                <a:tc hMerge="1">
+                  <a:txBody>
+                    <a:bodyPr/>
+                    <a:lstStyle/>
+                    <a:p>
+                      <a:endParaRPr lang="en-SG"/>
+                    </a:p>
+                  </a:txBody>
+                  <a:tcPr/>
+                </a:tc>
+                <a:tc hMerge="1">
+                  <a:txBody>
+                    <a:bodyPr/>
+                    <a:lstStyle/>
+                    <a:p>
+                      <a:pPr>
+                        <a:lnSpc>
+                          <a:spcPct val="107000"/>
+                        </a:lnSpc>
+                        <a:spcAft>
+                          <a:spcPts val="0"/>
+                        </a:spcAft>
+                      </a:pPr>
+                      <a:endParaRPr lang="en-SG" sz="1200" b="0">
+                        <a:effectLst/>
+                        <a:latin typeface="Calibri" panose="020F0502020204030204" pitchFamily="34" charset="0"/>
+                        <a:ea typeface="Calibri" panose="020F0502020204030204" pitchFamily="34" charset="0"/>
+                        <a:cs typeface="Times New Roman" panose="02020603050405020304" pitchFamily="18" charset="0"/>
+                      </a:endParaRPr>
+                    </a:p>
+                  </a:txBody>
+                  <a:tcPr marL="20434" marR="20434" marT="0" marB="0"/>
+                </a:tc>
+                <a:tc hMerge="1">
+                  <a:txBody>
+                    <a:bodyPr/>
+                    <a:lstStyle/>
+                    <a:p>
+                      <a:endParaRPr lang="en-SG"/>
+                    </a:p>
+                  </a:txBody>
+                  <a:tcPr/>
+                </a:tc>
+                <a:tc>
+                  <a:txBody>
+                    <a:bodyPr/>
+                    <a:lstStyle/>
+                    <a:p>
+                      <a:pPr>
+                        <a:lnSpc>
+                          <a:spcPct val="107000"/>
+                        </a:lnSpc>
+                        <a:spcAft>
+                          <a:spcPts val="0"/>
+                        </a:spcAft>
+                      </a:pPr>
+                      <a:r>
+                        <a:rPr lang="en-US" sz="1600" b="0" dirty="0">
+                          <a:effectLst/>
+                        </a:rPr>
+                        <a:t>Edit </a:t>
+                      </a:r>
+                      <a:r>
+                        <a:rPr lang="en-US" sz="1600" b="0" u="sng" dirty="0" smtClean="0">
+                          <a:effectLst/>
+                        </a:rPr>
+                        <a:t>`groceries</a:t>
+                      </a:r>
+                      <a:r>
+                        <a:rPr lang="en-US" sz="1600" b="0" dirty="0" smtClean="0">
+                          <a:effectLst/>
+                        </a:rPr>
+                        <a:t>  </a:t>
+                      </a:r>
+                      <a:r>
+                        <a:rPr lang="en-US" sz="1600" b="0" u="sng" dirty="0" smtClean="0">
+                          <a:effectLst/>
+                        </a:rPr>
+                        <a:t>`#</a:t>
+                      </a:r>
+                      <a:r>
+                        <a:rPr lang="en-US" sz="1600" b="0" dirty="0" smtClean="0">
+                          <a:effectLst/>
+                        </a:rPr>
+                        <a:t>  </a:t>
+                      </a:r>
+                      <a:r>
+                        <a:rPr lang="en-US" sz="1600" b="0" u="sng" dirty="0" smtClean="0">
+                          <a:effectLst/>
+                        </a:rPr>
+                        <a:t>`#</a:t>
+                      </a:r>
+                      <a:r>
+                        <a:rPr lang="en-US" sz="1600" b="0" u="sng" dirty="0">
+                          <a:effectLst/>
+                        </a:rPr>
+                        <a:t>2</a:t>
+                      </a:r>
+                      <a:endParaRPr lang="en-SG" sz="1200" b="0" dirty="0">
+                        <a:effectLst/>
+                        <a:latin typeface="Calibri" panose="020F0502020204030204" pitchFamily="34" charset="0"/>
+                        <a:ea typeface="Calibri" panose="020F0502020204030204" pitchFamily="34" charset="0"/>
+                        <a:cs typeface="Times New Roman" panose="02020603050405020304" pitchFamily="18" charset="0"/>
+                      </a:endParaRPr>
+                    </a:p>
+                  </a:txBody>
+                  <a:tcPr marL="20434" marR="20434" marT="0" marB="0"/>
+                </a:tc>
+              </a:tr>
+              <a:tr h="360655">
+                <a:tc gridSpan="2">
+                  <a:txBody>
+                    <a:bodyPr/>
+                    <a:lstStyle/>
+                    <a:p>
+                      <a:pPr>
+                        <a:lnSpc>
+                          <a:spcPct val="107000"/>
+                        </a:lnSpc>
+                        <a:spcAft>
+                          <a:spcPts val="0"/>
+                        </a:spcAft>
+                      </a:pPr>
+                      <a:r>
+                        <a:rPr lang="en-US" sz="1600" b="0" dirty="0">
+                          <a:effectLst/>
+                        </a:rPr>
+                        <a:t>Edit </a:t>
+                      </a:r>
+                      <a:r>
+                        <a:rPr lang="en-US" sz="1600" b="0" u="sng" dirty="0" smtClean="0">
+                          <a:effectLst/>
+                        </a:rPr>
+                        <a:t>`Task </a:t>
+                      </a:r>
+                      <a:r>
+                        <a:rPr lang="en-US" sz="1600" b="0" u="sng" dirty="0">
+                          <a:effectLst/>
+                        </a:rPr>
+                        <a:t>Name</a:t>
+                      </a:r>
+                      <a:r>
+                        <a:rPr lang="en-US" sz="1600" b="0" dirty="0">
+                          <a:effectLst/>
+                        </a:rPr>
+                        <a:t>  </a:t>
+                      </a:r>
+                      <a:r>
+                        <a:rPr lang="en-US" sz="1600" b="0" u="sng" dirty="0" smtClean="0">
+                          <a:effectLst/>
+                        </a:rPr>
+                        <a:t>`name</a:t>
+                      </a:r>
+                      <a:r>
+                        <a:rPr lang="en-US" sz="1600" b="0" dirty="0" smtClean="0">
+                          <a:effectLst/>
+                        </a:rPr>
+                        <a:t>   </a:t>
+                      </a:r>
+                      <a:r>
+                        <a:rPr lang="en-US" sz="1600" b="0" u="sng" dirty="0" smtClean="0">
+                          <a:effectLst/>
+                        </a:rPr>
+                        <a:t>`new </a:t>
+                      </a:r>
+                      <a:r>
+                        <a:rPr lang="en-US" sz="1600" b="0" u="sng" dirty="0">
+                          <a:effectLst/>
+                        </a:rPr>
+                        <a:t>Detail</a:t>
+                      </a:r>
+                      <a:endParaRPr lang="en-SG" sz="1200" b="0" dirty="0">
+                        <a:effectLst/>
+                        <a:latin typeface="Calibri" panose="020F0502020204030204" pitchFamily="34" charset="0"/>
+                        <a:ea typeface="Calibri" panose="020F0502020204030204" pitchFamily="34" charset="0"/>
+                        <a:cs typeface="Times New Roman" panose="02020603050405020304" pitchFamily="18" charset="0"/>
+                      </a:endParaRPr>
+                    </a:p>
+                  </a:txBody>
+                  <a:tcPr marL="20434" marR="20434" marT="0" marB="0"/>
+                </a:tc>
+                <a:tc hMerge="1">
+                  <a:txBody>
+                    <a:bodyPr/>
+                    <a:lstStyle/>
+                    <a:p>
+                      <a:endParaRPr lang="en-SG"/>
+                    </a:p>
+                  </a:txBody>
+                  <a:tcPr/>
+                </a:tc>
+                <a:tc gridSpan="4">
+                  <a:txBody>
+                    <a:bodyPr/>
+                    <a:lstStyle/>
+                    <a:p>
+                      <a:pPr>
+                        <a:lnSpc>
+                          <a:spcPct val="107000"/>
+                        </a:lnSpc>
+                        <a:spcAft>
+                          <a:spcPts val="0"/>
+                        </a:spcAft>
+                      </a:pPr>
+                      <a:r>
+                        <a:rPr lang="en-US" sz="1600" b="0" dirty="0">
+                          <a:effectLst/>
+                        </a:rPr>
+                        <a:t>Change the name of task</a:t>
+                      </a:r>
+                      <a:endParaRPr lang="en-SG" sz="1200" b="0" dirty="0">
+                        <a:effectLst/>
+                        <a:latin typeface="Calibri" panose="020F0502020204030204" pitchFamily="34" charset="0"/>
+                        <a:ea typeface="Calibri" panose="020F0502020204030204" pitchFamily="34" charset="0"/>
+                        <a:cs typeface="Times New Roman" panose="02020603050405020304" pitchFamily="18" charset="0"/>
+                      </a:endParaRPr>
+                    </a:p>
+                  </a:txBody>
+                  <a:tcPr marL="20434" marR="20434" marT="0" marB="0"/>
+                </a:tc>
+                <a:tc hMerge="1">
+                  <a:txBody>
+                    <a:bodyPr/>
+                    <a:lstStyle/>
+                    <a:p>
+                      <a:endParaRPr lang="en-SG"/>
+                    </a:p>
+                  </a:txBody>
+                  <a:tcPr/>
+                </a:tc>
+                <a:tc hMerge="1">
+                  <a:txBody>
+                    <a:bodyPr/>
+                    <a:lstStyle/>
+                    <a:p>
+                      <a:pPr>
+                        <a:lnSpc>
+                          <a:spcPct val="107000"/>
+                        </a:lnSpc>
+                        <a:spcAft>
+                          <a:spcPts val="0"/>
+                        </a:spcAft>
+                      </a:pPr>
+                      <a:endParaRPr lang="en-SG" sz="1200" b="0" dirty="0">
+                        <a:effectLst/>
+                        <a:latin typeface="Calibri" panose="020F0502020204030204" pitchFamily="34" charset="0"/>
+                        <a:ea typeface="Calibri" panose="020F0502020204030204" pitchFamily="34" charset="0"/>
+                        <a:cs typeface="Times New Roman" panose="02020603050405020304" pitchFamily="18" charset="0"/>
+                      </a:endParaRPr>
+                    </a:p>
+                  </a:txBody>
+                  <a:tcPr marL="20434" marR="20434" marT="0" marB="0"/>
+                </a:tc>
+                <a:tc hMerge="1">
+                  <a:txBody>
+                    <a:bodyPr/>
+                    <a:lstStyle/>
+                    <a:p>
+                      <a:endParaRPr lang="en-SG"/>
+                    </a:p>
+                  </a:txBody>
+                  <a:tcPr/>
+                </a:tc>
+                <a:tc>
+                  <a:txBody>
+                    <a:bodyPr/>
+                    <a:lstStyle/>
+                    <a:p>
+                      <a:pPr>
+                        <a:lnSpc>
+                          <a:spcPct val="107000"/>
+                        </a:lnSpc>
+                        <a:spcAft>
+                          <a:spcPts val="0"/>
+                        </a:spcAft>
+                      </a:pPr>
+                      <a:r>
+                        <a:rPr lang="en-US" sz="1600" b="0" dirty="0">
+                          <a:effectLst/>
+                        </a:rPr>
+                        <a:t>Edit </a:t>
+                      </a:r>
+                      <a:r>
+                        <a:rPr lang="en-US" sz="1600" b="0" u="sng" dirty="0" smtClean="0">
+                          <a:effectLst/>
+                        </a:rPr>
+                        <a:t>`groceries</a:t>
+                      </a:r>
+                      <a:r>
+                        <a:rPr lang="en-US" sz="1600" b="0" dirty="0" smtClean="0">
+                          <a:effectLst/>
+                        </a:rPr>
+                        <a:t>  </a:t>
+                      </a:r>
+                      <a:r>
+                        <a:rPr lang="en-US" sz="1600" b="0" u="sng" dirty="0" smtClean="0">
+                          <a:effectLst/>
+                        </a:rPr>
+                        <a:t>`name</a:t>
+                      </a:r>
+                      <a:r>
+                        <a:rPr lang="en-US" sz="1600" b="0" dirty="0" smtClean="0">
+                          <a:effectLst/>
+                        </a:rPr>
+                        <a:t>  </a:t>
+                      </a:r>
+                      <a:r>
+                        <a:rPr lang="en-US" sz="1600" b="0" u="sng" dirty="0" smtClean="0">
+                          <a:effectLst/>
+                        </a:rPr>
+                        <a:t>`buy </a:t>
+                      </a:r>
+                      <a:r>
+                        <a:rPr lang="en-US" sz="1600" b="0" u="sng" dirty="0">
+                          <a:effectLst/>
+                        </a:rPr>
+                        <a:t>fruits</a:t>
+                      </a:r>
+                      <a:endParaRPr lang="en-SG" sz="1200" b="0" dirty="0">
+                        <a:effectLst/>
+                        <a:latin typeface="Calibri" panose="020F0502020204030204" pitchFamily="34" charset="0"/>
+                        <a:ea typeface="Calibri" panose="020F0502020204030204" pitchFamily="34" charset="0"/>
+                        <a:cs typeface="Times New Roman" panose="02020603050405020304" pitchFamily="18" charset="0"/>
+                      </a:endParaRPr>
+                    </a:p>
+                  </a:txBody>
+                  <a:tcPr marL="20434" marR="20434" marT="0" marB="0"/>
+                </a:tc>
+              </a:tr>
+              <a:tr h="240436">
+                <a:tc gridSpan="2">
+                  <a:txBody>
+                    <a:bodyPr/>
+                    <a:lstStyle/>
+                    <a:p>
+                      <a:pPr>
+                        <a:lnSpc>
+                          <a:spcPct val="107000"/>
+                        </a:lnSpc>
+                        <a:spcAft>
+                          <a:spcPts val="0"/>
+                        </a:spcAft>
+                      </a:pPr>
+                      <a:r>
+                        <a:rPr lang="en-US" sz="1600" b="0" dirty="0">
+                          <a:effectLst/>
+                        </a:rPr>
+                        <a:t>Edit </a:t>
+                      </a:r>
+                      <a:r>
+                        <a:rPr lang="en-US" sz="1600" b="0" u="sng" dirty="0" smtClean="0">
+                          <a:effectLst/>
+                        </a:rPr>
+                        <a:t>`Task </a:t>
+                      </a:r>
+                      <a:r>
+                        <a:rPr lang="en-US" sz="1600" b="0" u="sng" dirty="0">
+                          <a:effectLst/>
+                        </a:rPr>
+                        <a:t>Name</a:t>
+                      </a:r>
+                      <a:r>
+                        <a:rPr lang="en-US" sz="1600" b="0" dirty="0">
+                          <a:effectLst/>
+                        </a:rPr>
+                        <a:t>  </a:t>
+                      </a:r>
+                      <a:r>
+                        <a:rPr lang="en-US" sz="1600" b="0" u="sng" dirty="0" smtClean="0">
+                          <a:effectLst/>
+                        </a:rPr>
+                        <a:t>`date</a:t>
+                      </a:r>
+                      <a:r>
+                        <a:rPr lang="en-US" sz="1600" b="0" dirty="0" smtClean="0">
+                          <a:effectLst/>
+                        </a:rPr>
+                        <a:t>   </a:t>
+                      </a:r>
+                      <a:r>
+                        <a:rPr lang="en-US" sz="1600" b="0" u="sng" dirty="0" smtClean="0">
+                          <a:effectLst/>
+                        </a:rPr>
+                        <a:t>`new </a:t>
+                      </a:r>
+                      <a:r>
+                        <a:rPr lang="en-US" sz="1600" b="0" u="sng" dirty="0">
+                          <a:effectLst/>
+                        </a:rPr>
+                        <a:t>Detail</a:t>
+                      </a:r>
+                      <a:endParaRPr lang="en-SG" sz="1200" b="0" dirty="0">
+                        <a:effectLst/>
+                        <a:latin typeface="Calibri" panose="020F0502020204030204" pitchFamily="34" charset="0"/>
+                        <a:ea typeface="Calibri" panose="020F0502020204030204" pitchFamily="34" charset="0"/>
+                        <a:cs typeface="Times New Roman" panose="02020603050405020304" pitchFamily="18" charset="0"/>
+                      </a:endParaRPr>
+                    </a:p>
+                  </a:txBody>
+                  <a:tcPr marL="20434" marR="20434" marT="0" marB="0"/>
+                </a:tc>
+                <a:tc hMerge="1">
+                  <a:txBody>
+                    <a:bodyPr/>
+                    <a:lstStyle/>
+                    <a:p>
+                      <a:endParaRPr lang="en-SG"/>
+                    </a:p>
+                  </a:txBody>
+                  <a:tcPr/>
+                </a:tc>
+                <a:tc gridSpan="4">
+                  <a:txBody>
+                    <a:bodyPr/>
+                    <a:lstStyle/>
+                    <a:p>
+                      <a:pPr>
+                        <a:lnSpc>
+                          <a:spcPct val="107000"/>
+                        </a:lnSpc>
+                        <a:spcAft>
+                          <a:spcPts val="0"/>
+                        </a:spcAft>
+                      </a:pPr>
+                      <a:r>
+                        <a:rPr lang="en-US" sz="1600" b="0" dirty="0">
+                          <a:effectLst/>
+                        </a:rPr>
+                        <a:t>Change date of </a:t>
+                      </a:r>
+                      <a:r>
+                        <a:rPr lang="en-US" sz="1600" b="0" dirty="0" smtClean="0">
+                          <a:effectLst/>
+                        </a:rPr>
+                        <a:t>task (</a:t>
+                      </a:r>
+                      <a:r>
+                        <a:rPr lang="en-US" sz="1600" b="0" dirty="0" err="1" smtClean="0">
+                          <a:effectLst/>
+                        </a:rPr>
+                        <a:t>startTime</a:t>
+                      </a:r>
+                      <a:r>
+                        <a:rPr lang="en-US" sz="1600" b="0" baseline="0" dirty="0" smtClean="0">
+                          <a:effectLst/>
+                        </a:rPr>
+                        <a:t> or </a:t>
+                      </a:r>
+                      <a:r>
+                        <a:rPr lang="en-US" sz="1600" b="0" baseline="0" dirty="0" err="1" smtClean="0">
+                          <a:effectLst/>
+                        </a:rPr>
+                        <a:t>endTime</a:t>
+                      </a:r>
+                      <a:r>
+                        <a:rPr lang="en-US" sz="1600" b="0" baseline="0" smtClean="0">
+                          <a:effectLst/>
+                        </a:rPr>
+                        <a:t>)</a:t>
+                      </a:r>
+                      <a:endParaRPr lang="en-SG" sz="1200" b="0">
+                        <a:effectLst/>
+                        <a:latin typeface="Calibri" panose="020F0502020204030204" pitchFamily="34" charset="0"/>
+                        <a:ea typeface="Calibri" panose="020F0502020204030204" pitchFamily="34" charset="0"/>
+                        <a:cs typeface="Times New Roman" panose="02020603050405020304" pitchFamily="18" charset="0"/>
+                      </a:endParaRPr>
+                    </a:p>
+                  </a:txBody>
+                  <a:tcPr marL="20434" marR="20434" marT="0" marB="0"/>
+                </a:tc>
+                <a:tc hMerge="1">
+                  <a:txBody>
+                    <a:bodyPr/>
+                    <a:lstStyle/>
+                    <a:p>
+                      <a:endParaRPr lang="en-SG"/>
+                    </a:p>
+                  </a:txBody>
+                  <a:tcPr/>
+                </a:tc>
+                <a:tc hMerge="1">
+                  <a:txBody>
+                    <a:bodyPr/>
+                    <a:lstStyle/>
+                    <a:p>
+                      <a:pPr>
+                        <a:lnSpc>
+                          <a:spcPct val="107000"/>
+                        </a:lnSpc>
+                        <a:spcAft>
+                          <a:spcPts val="0"/>
+                        </a:spcAft>
+                      </a:pPr>
+                      <a:endParaRPr lang="en-SG" sz="1200" b="0" dirty="0">
+                        <a:effectLst/>
+                        <a:latin typeface="Calibri" panose="020F0502020204030204" pitchFamily="34" charset="0"/>
+                        <a:ea typeface="Calibri" panose="020F0502020204030204" pitchFamily="34" charset="0"/>
+                        <a:cs typeface="Times New Roman" panose="02020603050405020304" pitchFamily="18" charset="0"/>
+                      </a:endParaRPr>
+                    </a:p>
+                  </a:txBody>
+                  <a:tcPr marL="20434" marR="20434" marT="0" marB="0"/>
+                </a:tc>
+                <a:tc hMerge="1">
+                  <a:txBody>
+                    <a:bodyPr/>
+                    <a:lstStyle/>
+                    <a:p>
+                      <a:endParaRPr lang="en-SG"/>
+                    </a:p>
+                  </a:txBody>
+                  <a:tcPr/>
+                </a:tc>
+                <a:tc>
+                  <a:txBody>
+                    <a:bodyPr/>
+                    <a:lstStyle/>
+                    <a:p>
+                      <a:pPr>
+                        <a:lnSpc>
+                          <a:spcPct val="107000"/>
+                        </a:lnSpc>
+                        <a:spcAft>
+                          <a:spcPts val="0"/>
+                        </a:spcAft>
+                      </a:pPr>
+                      <a:r>
+                        <a:rPr lang="en-US" sz="1600" b="0" dirty="0">
+                          <a:effectLst/>
+                        </a:rPr>
+                        <a:t>Edit </a:t>
+                      </a:r>
+                      <a:r>
+                        <a:rPr lang="en-US" sz="1600" b="0" u="sng" dirty="0" smtClean="0">
+                          <a:effectLst/>
+                        </a:rPr>
+                        <a:t>`groceries</a:t>
+                      </a:r>
+                      <a:r>
+                        <a:rPr lang="en-US" sz="1600" b="0" dirty="0" smtClean="0">
+                          <a:effectLst/>
+                        </a:rPr>
+                        <a:t>  </a:t>
+                      </a:r>
+                      <a:r>
+                        <a:rPr lang="en-US" sz="1600" b="0" u="sng" dirty="0" smtClean="0">
+                          <a:effectLst/>
+                        </a:rPr>
+                        <a:t>`</a:t>
+                      </a:r>
+                      <a:r>
+                        <a:rPr lang="en-US" sz="1600" b="0" u="sng" dirty="0" err="1" smtClean="0">
+                          <a:effectLst/>
+                        </a:rPr>
+                        <a:t>startTime</a:t>
+                      </a:r>
+                      <a:r>
+                        <a:rPr lang="en-US" sz="1600" b="0" u="sng" dirty="0" smtClean="0">
+                          <a:effectLst/>
+                        </a:rPr>
+                        <a:t> `10 </a:t>
+                      </a:r>
+                      <a:r>
+                        <a:rPr lang="en-US" sz="1600" b="0" u="sng" dirty="0" err="1">
+                          <a:effectLst/>
+                        </a:rPr>
+                        <a:t>oct</a:t>
+                      </a:r>
+                      <a:endParaRPr lang="en-SG" sz="1200" b="0" dirty="0">
+                        <a:effectLst/>
+                        <a:latin typeface="Calibri" panose="020F0502020204030204" pitchFamily="34" charset="0"/>
+                        <a:ea typeface="Calibri" panose="020F0502020204030204" pitchFamily="34" charset="0"/>
+                        <a:cs typeface="Times New Roman" panose="02020603050405020304" pitchFamily="18" charset="0"/>
+                      </a:endParaRPr>
+                    </a:p>
+                  </a:txBody>
+                  <a:tcPr marL="20434" marR="20434" marT="0" marB="0"/>
+                </a:tc>
+              </a:tr>
+              <a:tr h="120219">
+                <a:tc gridSpan="7">
+                  <a:txBody>
+                    <a:bodyPr/>
+                    <a:lstStyle/>
+                    <a:p>
+                      <a:pPr algn="ctr">
+                        <a:lnSpc>
+                          <a:spcPct val="107000"/>
+                        </a:lnSpc>
+                        <a:spcAft>
+                          <a:spcPts val="0"/>
+                        </a:spcAft>
+                      </a:pPr>
+                      <a:r>
+                        <a:rPr lang="en-US" sz="1600" b="0" dirty="0">
+                          <a:effectLst/>
+                        </a:rPr>
+                        <a:t>Search</a:t>
+                      </a:r>
+                      <a:endParaRPr lang="en-SG" sz="1200" b="0" dirty="0">
+                        <a:effectLst/>
+                        <a:latin typeface="Calibri" panose="020F0502020204030204" pitchFamily="34" charset="0"/>
+                        <a:ea typeface="Calibri" panose="020F0502020204030204" pitchFamily="34" charset="0"/>
+                        <a:cs typeface="Times New Roman" panose="02020603050405020304" pitchFamily="18" charset="0"/>
+                      </a:endParaRPr>
+                    </a:p>
+                  </a:txBody>
+                  <a:tcPr marL="20434" marR="20434" marT="0" marB="0"/>
+                </a:tc>
+                <a:tc hMerge="1">
+                  <a:txBody>
+                    <a:bodyPr/>
+                    <a:lstStyle/>
+                    <a:p>
+                      <a:endParaRPr lang="en-SG"/>
+                    </a:p>
+                  </a:txBody>
+                  <a:tcPr/>
+                </a:tc>
+                <a:tc hMerge="1">
+                  <a:txBody>
+                    <a:bodyPr/>
+                    <a:lstStyle/>
+                    <a:p>
+                      <a:endParaRPr lang="en-SG"/>
+                    </a:p>
+                  </a:txBody>
+                  <a:tcPr/>
+                </a:tc>
+                <a:tc hMerge="1">
+                  <a:txBody>
+                    <a:bodyPr/>
+                    <a:lstStyle/>
+                    <a:p>
+                      <a:endParaRPr lang="en-SG"/>
+                    </a:p>
+                  </a:txBody>
+                  <a:tcPr/>
+                </a:tc>
+                <a:tc hMerge="1">
+                  <a:txBody>
+                    <a:bodyPr/>
+                    <a:lstStyle/>
+                    <a:p>
+                      <a:endParaRPr lang="en-SG"/>
+                    </a:p>
+                  </a:txBody>
+                  <a:tcPr/>
+                </a:tc>
+                <a:tc hMerge="1">
+                  <a:txBody>
+                    <a:bodyPr/>
+                    <a:lstStyle/>
+                    <a:p>
+                      <a:endParaRPr lang="en-SG"/>
+                    </a:p>
+                  </a:txBody>
+                  <a:tcPr/>
+                </a:tc>
+                <a:tc hMerge="1">
+                  <a:txBody>
+                    <a:bodyPr/>
+                    <a:lstStyle/>
+                    <a:p>
+                      <a:endParaRPr lang="en-SG"/>
+                    </a:p>
+                  </a:txBody>
+                  <a:tcPr/>
+                </a:tc>
+              </a:tr>
+              <a:tr h="480873">
+                <a:tc>
+                  <a:txBody>
+                    <a:bodyPr/>
+                    <a:lstStyle/>
+                    <a:p>
+                      <a:pPr>
+                        <a:lnSpc>
+                          <a:spcPct val="107000"/>
+                        </a:lnSpc>
+                        <a:spcAft>
+                          <a:spcPts val="0"/>
+                        </a:spcAft>
+                      </a:pPr>
+                      <a:r>
+                        <a:rPr lang="en-US" sz="1600" b="0" dirty="0">
+                          <a:effectLst/>
+                        </a:rPr>
+                        <a:t>Search </a:t>
+                      </a:r>
+                      <a:r>
+                        <a:rPr lang="en-US" sz="1600" b="0" u="sng" dirty="0">
+                          <a:effectLst/>
+                        </a:rPr>
+                        <a:t>type</a:t>
+                      </a:r>
+                      <a:endParaRPr lang="en-SG" sz="1200" b="0" dirty="0">
+                        <a:effectLst/>
+                        <a:latin typeface="Calibri" panose="020F0502020204030204" pitchFamily="34" charset="0"/>
+                        <a:ea typeface="Calibri" panose="020F0502020204030204" pitchFamily="34" charset="0"/>
+                        <a:cs typeface="Times New Roman" panose="02020603050405020304" pitchFamily="18" charset="0"/>
+                      </a:endParaRPr>
+                    </a:p>
+                  </a:txBody>
+                  <a:tcPr marL="20434" marR="20434" marT="0" marB="0"/>
+                </a:tc>
+                <a:tc gridSpan="4">
+                  <a:txBody>
+                    <a:bodyPr/>
+                    <a:lstStyle/>
+                    <a:p>
+                      <a:pPr>
+                        <a:lnSpc>
+                          <a:spcPct val="107000"/>
+                        </a:lnSpc>
+                        <a:spcAft>
+                          <a:spcPts val="0"/>
+                        </a:spcAft>
+                      </a:pPr>
+                      <a:r>
+                        <a:rPr lang="en-US" sz="1600" b="0" dirty="0">
+                          <a:effectLst/>
+                        </a:rPr>
+                        <a:t>Search the task with matching task names, priorities or date</a:t>
+                      </a:r>
+                      <a:endParaRPr lang="en-SG" sz="1200" b="0" dirty="0">
+                        <a:effectLst/>
+                        <a:latin typeface="Calibri" panose="020F0502020204030204" pitchFamily="34" charset="0"/>
+                        <a:ea typeface="Calibri" panose="020F0502020204030204" pitchFamily="34" charset="0"/>
+                        <a:cs typeface="Times New Roman" panose="02020603050405020304" pitchFamily="18" charset="0"/>
+                      </a:endParaRPr>
+                    </a:p>
+                  </a:txBody>
+                  <a:tcPr marL="20434" marR="20434" marT="0" marB="0"/>
+                </a:tc>
+                <a:tc hMerge="1">
+                  <a:txBody>
+                    <a:bodyPr/>
+                    <a:lstStyle/>
+                    <a:p>
+                      <a:endParaRPr lang="en-SG"/>
+                    </a:p>
+                  </a:txBody>
+                  <a:tcPr/>
+                </a:tc>
+                <a:tc hMerge="1">
+                  <a:txBody>
+                    <a:bodyPr/>
+                    <a:lstStyle/>
+                    <a:p>
+                      <a:pPr>
+                        <a:lnSpc>
+                          <a:spcPct val="107000"/>
+                        </a:lnSpc>
+                        <a:spcAft>
+                          <a:spcPts val="0"/>
+                        </a:spcAft>
+                      </a:pPr>
+                      <a:endParaRPr lang="en-SG" sz="1200" b="0" dirty="0">
+                        <a:effectLst/>
+                        <a:latin typeface="Calibri" panose="020F0502020204030204" pitchFamily="34" charset="0"/>
+                        <a:ea typeface="Calibri" panose="020F0502020204030204" pitchFamily="34" charset="0"/>
+                        <a:cs typeface="Times New Roman" panose="02020603050405020304" pitchFamily="18" charset="0"/>
+                      </a:endParaRPr>
+                    </a:p>
+                  </a:txBody>
+                  <a:tcPr marL="20434" marR="20434" marT="0" marB="0"/>
+                </a:tc>
+                <a:tc hMerge="1">
+                  <a:txBody>
+                    <a:bodyPr/>
+                    <a:lstStyle/>
+                    <a:p>
+                      <a:pPr>
+                        <a:lnSpc>
+                          <a:spcPct val="107000"/>
+                        </a:lnSpc>
+                        <a:spcAft>
+                          <a:spcPts val="0"/>
+                        </a:spcAft>
+                      </a:pPr>
+                      <a:endParaRPr lang="en-SG" sz="700" b="0" dirty="0">
+                        <a:effectLst/>
+                        <a:latin typeface="Calibri" panose="020F0502020204030204" pitchFamily="34" charset="0"/>
+                        <a:ea typeface="Calibri" panose="020F0502020204030204" pitchFamily="34" charset="0"/>
+                        <a:cs typeface="Times New Roman" panose="02020603050405020304" pitchFamily="18" charset="0"/>
+                      </a:endParaRPr>
+                    </a:p>
+                  </a:txBody>
+                  <a:tcPr/>
+                </a:tc>
+                <a:tc gridSpan="2">
+                  <a:txBody>
+                    <a:bodyPr/>
+                    <a:lstStyle/>
+                    <a:p>
+                      <a:pPr>
+                        <a:lnSpc>
+                          <a:spcPct val="107000"/>
+                        </a:lnSpc>
+                        <a:spcAft>
+                          <a:spcPts val="0"/>
+                        </a:spcAft>
+                      </a:pPr>
+                      <a:r>
+                        <a:rPr lang="en-US" sz="1600" b="0" dirty="0">
+                          <a:effectLst/>
+                        </a:rPr>
+                        <a:t>Search </a:t>
+                      </a:r>
+                      <a:r>
+                        <a:rPr lang="en-US" sz="1600" b="0" u="sng" dirty="0">
+                          <a:effectLst/>
+                        </a:rPr>
+                        <a:t>errands</a:t>
+                      </a:r>
+                      <a:endParaRPr lang="en-SG" sz="1200" b="0" dirty="0">
+                        <a:effectLst/>
+                      </a:endParaRPr>
+                    </a:p>
+                    <a:p>
+                      <a:pPr>
+                        <a:lnSpc>
+                          <a:spcPct val="107000"/>
+                        </a:lnSpc>
+                        <a:spcAft>
+                          <a:spcPts val="0"/>
+                        </a:spcAft>
+                      </a:pPr>
+                      <a:r>
+                        <a:rPr lang="en-US" sz="1600" b="0" dirty="0">
+                          <a:effectLst/>
+                        </a:rPr>
+                        <a:t>Search </a:t>
+                      </a:r>
+                      <a:r>
+                        <a:rPr lang="en-US" sz="1600" b="0" u="sng" dirty="0">
+                          <a:effectLst/>
+                        </a:rPr>
+                        <a:t>#2</a:t>
+                      </a:r>
+                      <a:endParaRPr lang="en-SG" sz="1200" b="0" dirty="0">
+                        <a:effectLst/>
+                      </a:endParaRPr>
+                    </a:p>
+                    <a:p>
+                      <a:pPr>
+                        <a:lnSpc>
+                          <a:spcPct val="107000"/>
+                        </a:lnSpc>
+                        <a:spcAft>
+                          <a:spcPts val="0"/>
+                        </a:spcAft>
+                      </a:pPr>
+                      <a:r>
+                        <a:rPr lang="en-US" sz="1600" b="0" dirty="0">
+                          <a:effectLst/>
+                        </a:rPr>
+                        <a:t>Search </a:t>
+                      </a:r>
+                      <a:r>
+                        <a:rPr lang="en-US" sz="1600" b="0" u="sng" dirty="0" smtClean="0">
+                          <a:effectLst/>
+                        </a:rPr>
+                        <a:t>30/Oct</a:t>
+                      </a:r>
+                    </a:p>
+                    <a:p>
+                      <a:pPr marL="0" marR="0" indent="0" algn="l" defTabSz="914388" rtl="0" eaLnBrk="1" fontAlgn="auto" latinLnBrk="0" hangingPunct="1">
+                        <a:lnSpc>
+                          <a:spcPct val="107000"/>
+                        </a:lnSpc>
+                        <a:spcBef>
+                          <a:spcPts val="0"/>
+                        </a:spcBef>
+                        <a:spcAft>
+                          <a:spcPts val="0"/>
+                        </a:spcAft>
+                        <a:buClrTx/>
+                        <a:buSzTx/>
+                        <a:buFontTx/>
+                        <a:buNone/>
+                        <a:tabLst/>
+                        <a:defRPr/>
+                      </a:pPr>
+                      <a:r>
+                        <a:rPr lang="en-US" sz="1600" b="0" u="sng" dirty="0" smtClean="0">
+                          <a:effectLst/>
+                          <a:latin typeface="Calibri" panose="020F0502020204030204" pitchFamily="34" charset="0"/>
+                          <a:ea typeface="Calibri" panose="020F0502020204030204" pitchFamily="34" charset="0"/>
+                          <a:cs typeface="Times New Roman" panose="02020603050405020304" pitchFamily="18" charset="0"/>
+                        </a:rPr>
+                        <a:t>Search </a:t>
+                      </a:r>
+                      <a:r>
+                        <a:rPr lang="en-US" sz="1600" b="0" u="sng" baseline="0" dirty="0" smtClean="0">
+                          <a:effectLst/>
+                          <a:latin typeface="Calibri" panose="020F0502020204030204" pitchFamily="34" charset="0"/>
+                          <a:ea typeface="Calibri" panose="020F0502020204030204" pitchFamily="34" charset="0"/>
+                          <a:cs typeface="Times New Roman" panose="02020603050405020304" pitchFamily="18" charset="0"/>
+                        </a:rPr>
+                        <a:t>#2 errands</a:t>
+                      </a:r>
+                      <a:endParaRPr lang="en-US" sz="1600" b="0" u="sng" dirty="0" smtClean="0">
+                        <a:effectLst/>
+                      </a:endParaRPr>
+                    </a:p>
+                    <a:p>
+                      <a:pPr>
+                        <a:lnSpc>
+                          <a:spcPct val="107000"/>
+                        </a:lnSpc>
+                        <a:spcAft>
+                          <a:spcPts val="0"/>
+                        </a:spcAft>
+                      </a:pPr>
+                      <a:r>
+                        <a:rPr lang="en-US" sz="1600" b="0" u="sng" dirty="0" smtClean="0">
+                          <a:effectLst/>
+                          <a:latin typeface="Calibri" panose="020F0502020204030204" pitchFamily="34" charset="0"/>
+                          <a:ea typeface="Calibri" panose="020F0502020204030204" pitchFamily="34" charset="0"/>
+                          <a:cs typeface="Times New Roman" panose="02020603050405020304" pitchFamily="18" charset="0"/>
+                        </a:rPr>
+                        <a:t>Search 30/Oct</a:t>
+                      </a:r>
+                      <a:r>
+                        <a:rPr lang="en-US" sz="1600" b="0" u="sng" baseline="0" dirty="0" smtClean="0">
+                          <a:effectLst/>
+                          <a:latin typeface="Calibri" panose="020F0502020204030204" pitchFamily="34" charset="0"/>
+                          <a:ea typeface="Calibri" panose="020F0502020204030204" pitchFamily="34" charset="0"/>
+                          <a:cs typeface="Times New Roman" panose="02020603050405020304" pitchFamily="18" charset="0"/>
+                        </a:rPr>
+                        <a:t> #2 errands</a:t>
+                      </a:r>
+                      <a:endParaRPr lang="en-SG" sz="1200" b="0" dirty="0">
+                        <a:effectLst/>
+                        <a:latin typeface="Calibri" panose="020F0502020204030204" pitchFamily="34" charset="0"/>
+                        <a:ea typeface="Calibri" panose="020F0502020204030204" pitchFamily="34" charset="0"/>
+                        <a:cs typeface="Times New Roman" panose="02020603050405020304" pitchFamily="18" charset="0"/>
+                      </a:endParaRPr>
+                    </a:p>
+                  </a:txBody>
+                  <a:tcPr marL="20434" marR="20434" marT="0" marB="0"/>
+                </a:tc>
+                <a:tc hMerge="1">
+                  <a:txBody>
+                    <a:bodyPr/>
+                    <a:lstStyle/>
+                    <a:p>
+                      <a:pPr>
+                        <a:lnSpc>
+                          <a:spcPct val="107000"/>
+                        </a:lnSpc>
+                        <a:spcAft>
+                          <a:spcPts val="0"/>
+                        </a:spcAft>
+                      </a:pPr>
+                      <a:endParaRPr lang="en-SG" sz="1200" b="0" dirty="0">
+                        <a:effectLst/>
+                        <a:latin typeface="Calibri" panose="020F0502020204030204" pitchFamily="34" charset="0"/>
+                        <a:ea typeface="Calibri" panose="020F0502020204030204" pitchFamily="34" charset="0"/>
+                        <a:cs typeface="Times New Roman" panose="02020603050405020304" pitchFamily="18" charset="0"/>
+                      </a:endParaRPr>
+                    </a:p>
+                  </a:txBody>
+                  <a:tcPr marL="20434" marR="20434" marT="0" marB="0"/>
+                </a:tc>
+              </a:tr>
+              <a:tr h="120219">
+                <a:tc gridSpan="7">
+                  <a:txBody>
+                    <a:bodyPr/>
+                    <a:lstStyle/>
+                    <a:p>
+                      <a:pPr algn="ctr">
+                        <a:lnSpc>
+                          <a:spcPct val="107000"/>
+                        </a:lnSpc>
+                        <a:spcAft>
+                          <a:spcPts val="0"/>
+                        </a:spcAft>
+                      </a:pPr>
+                      <a:r>
+                        <a:rPr lang="en-US" sz="1600" b="0">
+                          <a:effectLst/>
+                        </a:rPr>
+                        <a:t>Sort</a:t>
+                      </a:r>
+                      <a:endParaRPr lang="en-SG" sz="1200" b="0">
+                        <a:effectLst/>
+                        <a:latin typeface="Calibri" panose="020F0502020204030204" pitchFamily="34" charset="0"/>
+                        <a:ea typeface="Calibri" panose="020F0502020204030204" pitchFamily="34" charset="0"/>
+                        <a:cs typeface="Times New Roman" panose="02020603050405020304" pitchFamily="18" charset="0"/>
+                      </a:endParaRPr>
+                    </a:p>
+                  </a:txBody>
+                  <a:tcPr marL="20434" marR="20434" marT="0" marB="0"/>
+                </a:tc>
+                <a:tc hMerge="1">
+                  <a:txBody>
+                    <a:bodyPr/>
+                    <a:lstStyle/>
+                    <a:p>
+                      <a:endParaRPr lang="en-SG"/>
+                    </a:p>
+                  </a:txBody>
+                  <a:tcPr/>
+                </a:tc>
+                <a:tc hMerge="1">
+                  <a:txBody>
+                    <a:bodyPr/>
+                    <a:lstStyle/>
+                    <a:p>
+                      <a:endParaRPr lang="en-SG"/>
+                    </a:p>
+                  </a:txBody>
+                  <a:tcPr/>
+                </a:tc>
+                <a:tc hMerge="1">
+                  <a:txBody>
+                    <a:bodyPr/>
+                    <a:lstStyle/>
+                    <a:p>
+                      <a:endParaRPr lang="en-SG"/>
+                    </a:p>
+                  </a:txBody>
+                  <a:tcPr/>
+                </a:tc>
+                <a:tc hMerge="1">
+                  <a:txBody>
+                    <a:bodyPr/>
+                    <a:lstStyle/>
+                    <a:p>
+                      <a:endParaRPr lang="en-SG"/>
+                    </a:p>
+                  </a:txBody>
+                  <a:tcPr/>
+                </a:tc>
+                <a:tc hMerge="1">
+                  <a:txBody>
+                    <a:bodyPr/>
+                    <a:lstStyle/>
+                    <a:p>
+                      <a:endParaRPr lang="en-SG"/>
+                    </a:p>
+                  </a:txBody>
+                  <a:tcPr/>
+                </a:tc>
+                <a:tc hMerge="1">
+                  <a:txBody>
+                    <a:bodyPr/>
+                    <a:lstStyle/>
+                    <a:p>
+                      <a:endParaRPr lang="en-SG"/>
+                    </a:p>
+                  </a:txBody>
+                  <a:tcPr/>
+                </a:tc>
+              </a:tr>
+              <a:tr h="360655">
+                <a:tc gridSpan="3">
+                  <a:txBody>
+                    <a:bodyPr/>
+                    <a:lstStyle/>
+                    <a:p>
+                      <a:pPr>
+                        <a:lnSpc>
+                          <a:spcPct val="107000"/>
+                        </a:lnSpc>
+                        <a:spcAft>
+                          <a:spcPts val="0"/>
+                        </a:spcAft>
+                      </a:pPr>
+                      <a:r>
+                        <a:rPr lang="en-US" sz="1600" b="0" dirty="0">
+                          <a:effectLst/>
+                        </a:rPr>
+                        <a:t>Sort </a:t>
+                      </a:r>
+                      <a:r>
+                        <a:rPr lang="en-US" sz="1600" b="0" u="sng" dirty="0">
+                          <a:effectLst/>
+                        </a:rPr>
+                        <a:t>type</a:t>
+                      </a:r>
+                      <a:endParaRPr lang="en-SG" sz="1200" b="0" dirty="0">
+                        <a:effectLst/>
+                        <a:latin typeface="Calibri" panose="020F0502020204030204" pitchFamily="34" charset="0"/>
+                        <a:ea typeface="Calibri" panose="020F0502020204030204" pitchFamily="34" charset="0"/>
+                        <a:cs typeface="Times New Roman" panose="02020603050405020304" pitchFamily="18" charset="0"/>
+                      </a:endParaRPr>
+                    </a:p>
+                  </a:txBody>
+                  <a:tcPr marL="20434" marR="20434" marT="0" marB="0"/>
+                </a:tc>
+                <a:tc hMerge="1">
+                  <a:txBody>
+                    <a:bodyPr/>
+                    <a:lstStyle/>
+                    <a:p>
+                      <a:endParaRPr lang="en-SG"/>
+                    </a:p>
+                  </a:txBody>
+                  <a:tcPr/>
+                </a:tc>
+                <a:tc hMerge="1">
+                  <a:txBody>
+                    <a:bodyPr/>
+                    <a:lstStyle/>
+                    <a:p>
+                      <a:endParaRPr lang="en-SG"/>
+                    </a:p>
+                  </a:txBody>
+                  <a:tcPr/>
+                </a:tc>
+                <a:tc gridSpan="3">
+                  <a:txBody>
+                    <a:bodyPr/>
+                    <a:lstStyle/>
+                    <a:p>
+                      <a:pPr>
+                        <a:lnSpc>
+                          <a:spcPct val="107000"/>
+                        </a:lnSpc>
+                        <a:spcAft>
+                          <a:spcPts val="0"/>
+                        </a:spcAft>
+                      </a:pPr>
+                      <a:r>
+                        <a:rPr lang="en-US" sz="1600" b="0">
+                          <a:effectLst/>
+                        </a:rPr>
+                        <a:t>Sorts the given type alphabetically or numerically</a:t>
+                      </a:r>
+                      <a:endParaRPr lang="en-SG" sz="1200" b="0">
+                        <a:effectLst/>
+                        <a:latin typeface="Calibri" panose="020F0502020204030204" pitchFamily="34" charset="0"/>
+                        <a:ea typeface="Calibri" panose="020F0502020204030204" pitchFamily="34" charset="0"/>
+                        <a:cs typeface="Times New Roman" panose="02020603050405020304" pitchFamily="18" charset="0"/>
+                      </a:endParaRPr>
+                    </a:p>
+                  </a:txBody>
+                  <a:tcPr marL="20434" marR="20434" marT="0" marB="0"/>
+                </a:tc>
+                <a:tc hMerge="1">
+                  <a:txBody>
+                    <a:bodyPr/>
+                    <a:lstStyle/>
+                    <a:p>
+                      <a:endParaRPr lang="en-SG"/>
+                    </a:p>
+                  </a:txBody>
+                  <a:tcPr/>
+                </a:tc>
+                <a:tc hMerge="1">
+                  <a:txBody>
+                    <a:bodyPr/>
+                    <a:lstStyle/>
+                    <a:p>
+                      <a:endParaRPr lang="en-SG"/>
+                    </a:p>
+                  </a:txBody>
+                  <a:tcPr/>
+                </a:tc>
+                <a:tc>
+                  <a:txBody>
+                    <a:bodyPr/>
+                    <a:lstStyle/>
+                    <a:p>
+                      <a:pPr>
+                        <a:lnSpc>
+                          <a:spcPct val="107000"/>
+                        </a:lnSpc>
+                        <a:spcAft>
+                          <a:spcPts val="0"/>
+                        </a:spcAft>
+                      </a:pPr>
+                      <a:r>
+                        <a:rPr lang="en-US" sz="1600" b="0" dirty="0">
+                          <a:effectLst/>
+                        </a:rPr>
+                        <a:t>Sort </a:t>
+                      </a:r>
+                      <a:r>
+                        <a:rPr lang="en-US" sz="1600" b="0" u="sng" dirty="0">
+                          <a:effectLst/>
+                        </a:rPr>
+                        <a:t>Name</a:t>
+                      </a:r>
+                      <a:endParaRPr lang="en-SG" sz="1200" b="0" dirty="0">
+                        <a:effectLst/>
+                      </a:endParaRPr>
+                    </a:p>
+                    <a:p>
+                      <a:pPr>
+                        <a:lnSpc>
+                          <a:spcPct val="107000"/>
+                        </a:lnSpc>
+                        <a:spcAft>
+                          <a:spcPts val="0"/>
+                        </a:spcAft>
+                      </a:pPr>
+                      <a:r>
+                        <a:rPr lang="en-US" sz="1600" b="0" dirty="0">
+                          <a:effectLst/>
+                        </a:rPr>
+                        <a:t>Sort</a:t>
+                      </a:r>
+                      <a:r>
+                        <a:rPr lang="en-US" sz="1600" b="0" u="sng" dirty="0">
+                          <a:effectLst/>
+                        </a:rPr>
+                        <a:t> #</a:t>
+                      </a:r>
+                      <a:endParaRPr lang="en-SG" sz="1200" b="0" dirty="0">
+                        <a:effectLst/>
+                      </a:endParaRPr>
+                    </a:p>
+                    <a:p>
+                      <a:pPr>
+                        <a:lnSpc>
+                          <a:spcPct val="107000"/>
+                        </a:lnSpc>
+                        <a:spcAft>
+                          <a:spcPts val="0"/>
+                        </a:spcAft>
+                      </a:pPr>
+                      <a:r>
+                        <a:rPr lang="en-US" sz="1600" b="0" dirty="0">
+                          <a:effectLst/>
+                        </a:rPr>
+                        <a:t>Sort </a:t>
+                      </a:r>
+                      <a:r>
+                        <a:rPr lang="en-US" sz="1600" b="0" u="sng" dirty="0" smtClean="0">
+                          <a:effectLst/>
+                        </a:rPr>
+                        <a:t>time</a:t>
+                      </a:r>
+                      <a:endParaRPr lang="en-SG" sz="1200" b="0" dirty="0">
+                        <a:effectLst/>
+                        <a:latin typeface="Calibri" panose="020F0502020204030204" pitchFamily="34" charset="0"/>
+                        <a:ea typeface="Calibri" panose="020F0502020204030204" pitchFamily="34" charset="0"/>
+                        <a:cs typeface="Times New Roman" panose="02020603050405020304" pitchFamily="18" charset="0"/>
+                      </a:endParaRPr>
+                    </a:p>
+                  </a:txBody>
+                  <a:tcPr marL="20434" marR="20434" marT="0" marB="0"/>
+                </a:tc>
+              </a:tr>
+              <a:tr h="120219">
+                <a:tc gridSpan="7">
+                  <a:txBody>
+                    <a:bodyPr/>
+                    <a:lstStyle/>
+                    <a:p>
+                      <a:pPr algn="ctr">
+                        <a:lnSpc>
+                          <a:spcPct val="107000"/>
+                        </a:lnSpc>
+                        <a:spcAft>
+                          <a:spcPts val="0"/>
+                        </a:spcAft>
+                      </a:pPr>
+                      <a:r>
+                        <a:rPr lang="en-US" sz="1600" b="0" dirty="0">
+                          <a:effectLst/>
+                        </a:rPr>
+                        <a:t>Undo/Redo changes</a:t>
+                      </a:r>
+                      <a:endParaRPr lang="en-SG" sz="1200" b="0" dirty="0">
+                        <a:effectLst/>
+                        <a:latin typeface="Calibri" panose="020F0502020204030204" pitchFamily="34" charset="0"/>
+                        <a:ea typeface="Calibri" panose="020F0502020204030204" pitchFamily="34" charset="0"/>
+                        <a:cs typeface="Times New Roman" panose="02020603050405020304" pitchFamily="18" charset="0"/>
+                      </a:endParaRPr>
+                    </a:p>
+                  </a:txBody>
+                  <a:tcPr marL="20434" marR="20434" marT="0" marB="0"/>
+                </a:tc>
+                <a:tc hMerge="1">
+                  <a:txBody>
+                    <a:bodyPr/>
+                    <a:lstStyle/>
+                    <a:p>
+                      <a:endParaRPr lang="en-SG"/>
+                    </a:p>
+                  </a:txBody>
+                  <a:tcPr/>
+                </a:tc>
+                <a:tc hMerge="1">
+                  <a:txBody>
+                    <a:bodyPr/>
+                    <a:lstStyle/>
+                    <a:p>
+                      <a:endParaRPr lang="en-SG"/>
+                    </a:p>
+                  </a:txBody>
+                  <a:tcPr/>
+                </a:tc>
+                <a:tc hMerge="1">
+                  <a:txBody>
+                    <a:bodyPr/>
+                    <a:lstStyle/>
+                    <a:p>
+                      <a:endParaRPr lang="en-SG"/>
+                    </a:p>
+                  </a:txBody>
+                  <a:tcPr/>
+                </a:tc>
+                <a:tc hMerge="1">
+                  <a:txBody>
+                    <a:bodyPr/>
+                    <a:lstStyle/>
+                    <a:p>
+                      <a:endParaRPr lang="en-SG"/>
+                    </a:p>
+                  </a:txBody>
+                  <a:tcPr/>
+                </a:tc>
+                <a:tc hMerge="1">
+                  <a:txBody>
+                    <a:bodyPr/>
+                    <a:lstStyle/>
+                    <a:p>
+                      <a:endParaRPr lang="en-SG"/>
+                    </a:p>
+                  </a:txBody>
+                  <a:tcPr/>
+                </a:tc>
+                <a:tc hMerge="1">
+                  <a:txBody>
+                    <a:bodyPr/>
+                    <a:lstStyle/>
+                    <a:p>
+                      <a:endParaRPr lang="en-SG"/>
+                    </a:p>
+                  </a:txBody>
+                  <a:tcPr/>
+                </a:tc>
+              </a:tr>
+              <a:tr h="240436">
+                <a:tc gridSpan="4">
+                  <a:txBody>
+                    <a:bodyPr/>
+                    <a:lstStyle/>
+                    <a:p>
+                      <a:pPr>
+                        <a:lnSpc>
+                          <a:spcPct val="107000"/>
+                        </a:lnSpc>
+                        <a:spcAft>
+                          <a:spcPts val="0"/>
+                        </a:spcAft>
+                      </a:pPr>
+                      <a:r>
+                        <a:rPr lang="en-US" sz="1600" b="0" dirty="0">
+                          <a:effectLst/>
+                        </a:rPr>
+                        <a:t>Undo</a:t>
+                      </a:r>
+                      <a:endParaRPr lang="en-SG" sz="1200" b="0" dirty="0">
+                        <a:effectLst/>
+                        <a:latin typeface="Calibri" panose="020F0502020204030204" pitchFamily="34" charset="0"/>
+                        <a:ea typeface="Calibri" panose="020F0502020204030204" pitchFamily="34" charset="0"/>
+                        <a:cs typeface="Times New Roman" panose="02020603050405020304" pitchFamily="18" charset="0"/>
+                      </a:endParaRPr>
+                    </a:p>
+                  </a:txBody>
+                  <a:tcPr marL="20434" marR="20434" marT="0" marB="0"/>
+                </a:tc>
+                <a:tc hMerge="1">
+                  <a:txBody>
+                    <a:bodyPr/>
+                    <a:lstStyle/>
+                    <a:p>
+                      <a:endParaRPr lang="en-SG"/>
+                    </a:p>
+                  </a:txBody>
+                  <a:tcPr/>
+                </a:tc>
+                <a:tc hMerge="1">
+                  <a:txBody>
+                    <a:bodyPr/>
+                    <a:lstStyle/>
+                    <a:p>
+                      <a:endParaRPr lang="en-SG"/>
+                    </a:p>
+                  </a:txBody>
+                  <a:tcPr/>
+                </a:tc>
+                <a:tc hMerge="1">
+                  <a:txBody>
+                    <a:bodyPr/>
+                    <a:lstStyle/>
+                    <a:p>
+                      <a:endParaRPr lang="en-SG"/>
+                    </a:p>
+                  </a:txBody>
+                  <a:tcPr/>
+                </a:tc>
+                <a:tc gridSpan="2">
+                  <a:txBody>
+                    <a:bodyPr/>
+                    <a:lstStyle/>
+                    <a:p>
+                      <a:pPr>
+                        <a:lnSpc>
+                          <a:spcPct val="107000"/>
+                        </a:lnSpc>
+                        <a:spcAft>
+                          <a:spcPts val="0"/>
+                        </a:spcAft>
+                      </a:pPr>
+                      <a:r>
+                        <a:rPr lang="en-US" sz="1600" b="0">
+                          <a:effectLst/>
+                        </a:rPr>
+                        <a:t>Undo your last typed input</a:t>
+                      </a:r>
+                      <a:endParaRPr lang="en-SG" sz="1200" b="0">
+                        <a:effectLst/>
+                        <a:latin typeface="Calibri" panose="020F0502020204030204" pitchFamily="34" charset="0"/>
+                        <a:ea typeface="Calibri" panose="020F0502020204030204" pitchFamily="34" charset="0"/>
+                        <a:cs typeface="Times New Roman" panose="02020603050405020304" pitchFamily="18" charset="0"/>
+                      </a:endParaRPr>
+                    </a:p>
+                  </a:txBody>
+                  <a:tcPr marL="20434" marR="20434" marT="0" marB="0"/>
+                </a:tc>
+                <a:tc hMerge="1">
+                  <a:txBody>
+                    <a:bodyPr/>
+                    <a:lstStyle/>
+                    <a:p>
+                      <a:endParaRPr lang="en-SG"/>
+                    </a:p>
+                  </a:txBody>
+                  <a:tcPr/>
+                </a:tc>
+                <a:tc>
+                  <a:txBody>
+                    <a:bodyPr/>
+                    <a:lstStyle/>
+                    <a:p>
+                      <a:pPr>
+                        <a:lnSpc>
+                          <a:spcPct val="107000"/>
+                        </a:lnSpc>
+                        <a:spcAft>
+                          <a:spcPts val="0"/>
+                        </a:spcAft>
+                      </a:pPr>
+                      <a:r>
+                        <a:rPr lang="en-US" sz="1600" b="0">
+                          <a:effectLst/>
+                        </a:rPr>
+                        <a:t>Undo</a:t>
+                      </a:r>
+                      <a:endParaRPr lang="en-SG" sz="1200" b="0">
+                        <a:effectLst/>
+                        <a:latin typeface="Calibri" panose="020F0502020204030204" pitchFamily="34" charset="0"/>
+                        <a:ea typeface="Calibri" panose="020F0502020204030204" pitchFamily="34" charset="0"/>
+                        <a:cs typeface="Times New Roman" panose="02020603050405020304" pitchFamily="18" charset="0"/>
+                      </a:endParaRPr>
+                    </a:p>
+                  </a:txBody>
+                  <a:tcPr marL="20434" marR="20434" marT="0" marB="0"/>
+                </a:tc>
+              </a:tr>
+              <a:tr h="240436">
+                <a:tc gridSpan="4">
+                  <a:txBody>
+                    <a:bodyPr/>
+                    <a:lstStyle/>
+                    <a:p>
+                      <a:pPr>
+                        <a:lnSpc>
+                          <a:spcPct val="107000"/>
+                        </a:lnSpc>
+                        <a:spcAft>
+                          <a:spcPts val="0"/>
+                        </a:spcAft>
+                      </a:pPr>
+                      <a:r>
+                        <a:rPr lang="en-US" sz="1600" b="0" dirty="0">
+                          <a:effectLst/>
+                        </a:rPr>
+                        <a:t>Redo</a:t>
+                      </a:r>
+                      <a:endParaRPr lang="en-SG" sz="1200" b="0" dirty="0">
+                        <a:effectLst/>
+                        <a:latin typeface="Calibri" panose="020F0502020204030204" pitchFamily="34" charset="0"/>
+                        <a:ea typeface="Calibri" panose="020F0502020204030204" pitchFamily="34" charset="0"/>
+                        <a:cs typeface="Times New Roman" panose="02020603050405020304" pitchFamily="18" charset="0"/>
+                      </a:endParaRPr>
+                    </a:p>
+                  </a:txBody>
+                  <a:tcPr marL="20434" marR="20434" marT="0" marB="0"/>
+                </a:tc>
+                <a:tc hMerge="1">
+                  <a:txBody>
+                    <a:bodyPr/>
+                    <a:lstStyle/>
+                    <a:p>
+                      <a:endParaRPr lang="en-SG"/>
+                    </a:p>
+                  </a:txBody>
+                  <a:tcPr/>
+                </a:tc>
+                <a:tc hMerge="1">
+                  <a:txBody>
+                    <a:bodyPr/>
+                    <a:lstStyle/>
+                    <a:p>
+                      <a:endParaRPr lang="en-SG"/>
+                    </a:p>
+                  </a:txBody>
+                  <a:tcPr/>
+                </a:tc>
+                <a:tc hMerge="1">
+                  <a:txBody>
+                    <a:bodyPr/>
+                    <a:lstStyle/>
+                    <a:p>
+                      <a:endParaRPr lang="en-SG"/>
+                    </a:p>
+                  </a:txBody>
+                  <a:tcPr/>
+                </a:tc>
+                <a:tc gridSpan="2">
+                  <a:txBody>
+                    <a:bodyPr/>
+                    <a:lstStyle/>
+                    <a:p>
+                      <a:pPr>
+                        <a:lnSpc>
+                          <a:spcPct val="107000"/>
+                        </a:lnSpc>
+                        <a:spcAft>
+                          <a:spcPts val="0"/>
+                        </a:spcAft>
+                      </a:pPr>
+                      <a:r>
+                        <a:rPr lang="en-US" sz="1600" b="0">
+                          <a:effectLst/>
+                        </a:rPr>
+                        <a:t>Redo any previous undo</a:t>
+                      </a:r>
+                      <a:endParaRPr lang="en-SG" sz="1200" b="0">
+                        <a:effectLst/>
+                        <a:latin typeface="Calibri" panose="020F0502020204030204" pitchFamily="34" charset="0"/>
+                        <a:ea typeface="Calibri" panose="020F0502020204030204" pitchFamily="34" charset="0"/>
+                        <a:cs typeface="Times New Roman" panose="02020603050405020304" pitchFamily="18" charset="0"/>
+                      </a:endParaRPr>
+                    </a:p>
+                  </a:txBody>
+                  <a:tcPr marL="20434" marR="20434" marT="0" marB="0"/>
+                </a:tc>
+                <a:tc hMerge="1">
+                  <a:txBody>
+                    <a:bodyPr/>
+                    <a:lstStyle/>
+                    <a:p>
+                      <a:endParaRPr lang="en-SG"/>
+                    </a:p>
+                  </a:txBody>
+                  <a:tcPr/>
+                </a:tc>
+                <a:tc>
+                  <a:txBody>
+                    <a:bodyPr/>
+                    <a:lstStyle/>
+                    <a:p>
+                      <a:pPr>
+                        <a:lnSpc>
+                          <a:spcPct val="107000"/>
+                        </a:lnSpc>
+                        <a:spcAft>
+                          <a:spcPts val="0"/>
+                        </a:spcAft>
+                      </a:pPr>
+                      <a:r>
+                        <a:rPr lang="en-US" sz="1600" b="0" dirty="0">
+                          <a:effectLst/>
+                        </a:rPr>
+                        <a:t>Redo</a:t>
+                      </a:r>
+                      <a:endParaRPr lang="en-SG" sz="1200" b="0" dirty="0">
+                        <a:effectLst/>
+                        <a:latin typeface="Calibri" panose="020F0502020204030204" pitchFamily="34" charset="0"/>
+                        <a:ea typeface="Calibri" panose="020F0502020204030204" pitchFamily="34" charset="0"/>
+                        <a:cs typeface="Times New Roman" panose="02020603050405020304" pitchFamily="18" charset="0"/>
+                      </a:endParaRPr>
+                    </a:p>
+                  </a:txBody>
+                  <a:tcPr marL="20434" marR="20434" marT="0" marB="0"/>
+                </a:tc>
+              </a:tr>
+            </a:tbl>
+          </a:graphicData>
+        </a:graphic>
+      </p:graphicFrame>
       <p:pic>
         <p:nvPicPr>
-          <p:cNvPr id="10" name="Picture 9"/>
+          <p:cNvPr id="3" name="Picture 2"/>
           <p:cNvPicPr>
             <a:picLocks noChangeAspect="1"/>
           </p:cNvPicPr>
@@ -23072,13 +27015,13 @@
         </p:nvPicPr>
         <p:blipFill rotWithShape="1">
           <a:blip r:embed="rId2"/>
-          <a:srcRect l="37427" t="16622" r="34083" b="3894"/>
+          <a:srcRect l="65658" t="5608" r="3378" b="6640"/>
           <a:stretch/>
         </p:blipFill>
         <p:spPr>
           <a:xfrm rot="5400000">
-            <a:off x="2168577" y="-1443161"/>
-            <a:ext cx="5937668" cy="9744330"/>
+            <a:off x="2178647" y="-1599131"/>
+            <a:ext cx="5989039" cy="9989576"/>
           </a:xfrm>
           <a:prstGeom prst="rect">
             <a:avLst/>

--- a/src/gui/help slides/Slides for making Help sheet.pptx
+++ b/src/gui/help slides/Slides for making Help sheet.pptx
@@ -22185,10 +22185,6 @@
               </a:rPr>
               <a:t>…</a:t>
             </a:r>
-            <a:endParaRPr lang="en-SG" sz="2400" dirty="0" smtClean="0">
-              <a:latin typeface="Segoe UI Semibold" panose="020B0702040204020203" pitchFamily="34" charset="0"/>
-              <a:cs typeface="Segoe UI Semibold" panose="020B0702040204020203" pitchFamily="34" charset="0"/>
-            </a:endParaRPr>
           </a:p>
         </p:txBody>
       </p:sp>
